--- a/计图期末项目介绍.pptx
+++ b/计图期末项目介绍.pptx
@@ -72,13 +72,13 @@
         </a:solidFill>
         <a:effectLst/>
         <a:uFillTx/>
-        <a:latin typeface="+mn-lt"/>
-        <a:ea typeface="+mn-ea"/>
-        <a:cs typeface="+mn-cs"/>
+        <a:latin typeface="+mj-lt"/>
+        <a:ea typeface="+mj-ea"/>
+        <a:cs typeface="+mj-cs"/>
         <a:sym typeface="Calibri"/>
       </a:defRPr>
     </a:lvl1pPr>
-    <a:lvl2pPr marL="0" marR="0" indent="457200" algn="l" defTabSz="914400" rtl="0" fontAlgn="auto" latinLnBrk="0" hangingPunct="0">
+    <a:lvl2pPr marL="0" marR="0" indent="0" algn="l" defTabSz="914400" rtl="0" fontAlgn="auto" latinLnBrk="0" hangingPunct="0">
       <a:lnSpc>
         <a:spcPct val="100000"/>
       </a:lnSpc>
@@ -102,13 +102,13 @@
         </a:solidFill>
         <a:effectLst/>
         <a:uFillTx/>
-        <a:latin typeface="+mn-lt"/>
-        <a:ea typeface="+mn-ea"/>
-        <a:cs typeface="+mn-cs"/>
+        <a:latin typeface="+mj-lt"/>
+        <a:ea typeface="+mj-ea"/>
+        <a:cs typeface="+mj-cs"/>
         <a:sym typeface="Calibri"/>
       </a:defRPr>
     </a:lvl2pPr>
-    <a:lvl3pPr marL="0" marR="0" indent="914400" algn="l" defTabSz="914400" rtl="0" fontAlgn="auto" latinLnBrk="0" hangingPunct="0">
+    <a:lvl3pPr marL="0" marR="0" indent="0" algn="l" defTabSz="914400" rtl="0" fontAlgn="auto" latinLnBrk="0" hangingPunct="0">
       <a:lnSpc>
         <a:spcPct val="100000"/>
       </a:lnSpc>
@@ -132,13 +132,13 @@
         </a:solidFill>
         <a:effectLst/>
         <a:uFillTx/>
-        <a:latin typeface="+mn-lt"/>
-        <a:ea typeface="+mn-ea"/>
-        <a:cs typeface="+mn-cs"/>
+        <a:latin typeface="+mj-lt"/>
+        <a:ea typeface="+mj-ea"/>
+        <a:cs typeface="+mj-cs"/>
         <a:sym typeface="Calibri"/>
       </a:defRPr>
     </a:lvl3pPr>
-    <a:lvl4pPr marL="0" marR="0" indent="1371600" algn="l" defTabSz="914400" rtl="0" fontAlgn="auto" latinLnBrk="0" hangingPunct="0">
+    <a:lvl4pPr marL="0" marR="0" indent="0" algn="l" defTabSz="914400" rtl="0" fontAlgn="auto" latinLnBrk="0" hangingPunct="0">
       <a:lnSpc>
         <a:spcPct val="100000"/>
       </a:lnSpc>
@@ -162,13 +162,13 @@
         </a:solidFill>
         <a:effectLst/>
         <a:uFillTx/>
-        <a:latin typeface="+mn-lt"/>
-        <a:ea typeface="+mn-ea"/>
-        <a:cs typeface="+mn-cs"/>
+        <a:latin typeface="+mj-lt"/>
+        <a:ea typeface="+mj-ea"/>
+        <a:cs typeface="+mj-cs"/>
         <a:sym typeface="Calibri"/>
       </a:defRPr>
     </a:lvl4pPr>
-    <a:lvl5pPr marL="0" marR="0" indent="1828800" algn="l" defTabSz="914400" rtl="0" fontAlgn="auto" latinLnBrk="0" hangingPunct="0">
+    <a:lvl5pPr marL="0" marR="0" indent="0" algn="l" defTabSz="914400" rtl="0" fontAlgn="auto" latinLnBrk="0" hangingPunct="0">
       <a:lnSpc>
         <a:spcPct val="100000"/>
       </a:lnSpc>
@@ -192,13 +192,13 @@
         </a:solidFill>
         <a:effectLst/>
         <a:uFillTx/>
-        <a:latin typeface="+mn-lt"/>
-        <a:ea typeface="+mn-ea"/>
-        <a:cs typeface="+mn-cs"/>
+        <a:latin typeface="+mj-lt"/>
+        <a:ea typeface="+mj-ea"/>
+        <a:cs typeface="+mj-cs"/>
         <a:sym typeface="Calibri"/>
       </a:defRPr>
     </a:lvl5pPr>
-    <a:lvl6pPr marL="0" marR="0" indent="2286000" algn="l" defTabSz="914400" rtl="0" fontAlgn="auto" latinLnBrk="0" hangingPunct="0">
+    <a:lvl6pPr marL="0" marR="0" indent="0" algn="l" defTabSz="914400" rtl="0" fontAlgn="auto" latinLnBrk="0" hangingPunct="0">
       <a:lnSpc>
         <a:spcPct val="100000"/>
       </a:lnSpc>
@@ -222,13 +222,13 @@
         </a:solidFill>
         <a:effectLst/>
         <a:uFillTx/>
-        <a:latin typeface="+mn-lt"/>
-        <a:ea typeface="+mn-ea"/>
-        <a:cs typeface="+mn-cs"/>
+        <a:latin typeface="+mj-lt"/>
+        <a:ea typeface="+mj-ea"/>
+        <a:cs typeface="+mj-cs"/>
         <a:sym typeface="Calibri"/>
       </a:defRPr>
     </a:lvl6pPr>
-    <a:lvl7pPr marL="0" marR="0" indent="2743200" algn="l" defTabSz="914400" rtl="0" fontAlgn="auto" latinLnBrk="0" hangingPunct="0">
+    <a:lvl7pPr marL="0" marR="0" indent="0" algn="l" defTabSz="914400" rtl="0" fontAlgn="auto" latinLnBrk="0" hangingPunct="0">
       <a:lnSpc>
         <a:spcPct val="100000"/>
       </a:lnSpc>
@@ -252,13 +252,13 @@
         </a:solidFill>
         <a:effectLst/>
         <a:uFillTx/>
-        <a:latin typeface="+mn-lt"/>
-        <a:ea typeface="+mn-ea"/>
-        <a:cs typeface="+mn-cs"/>
+        <a:latin typeface="+mj-lt"/>
+        <a:ea typeface="+mj-ea"/>
+        <a:cs typeface="+mj-cs"/>
         <a:sym typeface="Calibri"/>
       </a:defRPr>
     </a:lvl7pPr>
-    <a:lvl8pPr marL="0" marR="0" indent="3200400" algn="l" defTabSz="914400" rtl="0" fontAlgn="auto" latinLnBrk="0" hangingPunct="0">
+    <a:lvl8pPr marL="0" marR="0" indent="0" algn="l" defTabSz="914400" rtl="0" fontAlgn="auto" latinLnBrk="0" hangingPunct="0">
       <a:lnSpc>
         <a:spcPct val="100000"/>
       </a:lnSpc>
@@ -282,13 +282,13 @@
         </a:solidFill>
         <a:effectLst/>
         <a:uFillTx/>
-        <a:latin typeface="+mn-lt"/>
-        <a:ea typeface="+mn-ea"/>
-        <a:cs typeface="+mn-cs"/>
+        <a:latin typeface="+mj-lt"/>
+        <a:ea typeface="+mj-ea"/>
+        <a:cs typeface="+mj-cs"/>
         <a:sym typeface="Calibri"/>
       </a:defRPr>
     </a:lvl8pPr>
-    <a:lvl9pPr marL="0" marR="0" indent="3657600" algn="l" defTabSz="914400" rtl="0" fontAlgn="auto" latinLnBrk="0" hangingPunct="0">
+    <a:lvl9pPr marL="0" marR="0" indent="0" algn="l" defTabSz="914400" rtl="0" fontAlgn="auto" latinLnBrk="0" hangingPunct="0">
       <a:lnSpc>
         <a:spcPct val="100000"/>
       </a:lnSpc>
@@ -312,9 +312,9 @@
         </a:solidFill>
         <a:effectLst/>
         <a:uFillTx/>
-        <a:latin typeface="+mn-lt"/>
-        <a:ea typeface="+mn-ea"/>
-        <a:cs typeface="+mn-cs"/>
+        <a:latin typeface="+mj-lt"/>
+        <a:ea typeface="+mj-ea"/>
+        <a:cs typeface="+mj-cs"/>
         <a:sym typeface="Calibri"/>
       </a:defRPr>
     </a:lvl9pPr>
@@ -399,73 +399,73 @@
   <p:notesStyle>
     <a:lvl1pPr latinLnBrk="0">
       <a:defRPr sz="1200">
-        <a:latin typeface="+mn-lt"/>
-        <a:ea typeface="+mn-ea"/>
-        <a:cs typeface="+mn-cs"/>
+        <a:latin typeface="+mj-lt"/>
+        <a:ea typeface="+mj-ea"/>
+        <a:cs typeface="+mj-cs"/>
         <a:sym typeface="Calibri"/>
       </a:defRPr>
     </a:lvl1pPr>
     <a:lvl2pPr indent="228600" latinLnBrk="0">
       <a:defRPr sz="1200">
-        <a:latin typeface="+mn-lt"/>
-        <a:ea typeface="+mn-ea"/>
-        <a:cs typeface="+mn-cs"/>
+        <a:latin typeface="+mj-lt"/>
+        <a:ea typeface="+mj-ea"/>
+        <a:cs typeface="+mj-cs"/>
         <a:sym typeface="Calibri"/>
       </a:defRPr>
     </a:lvl2pPr>
     <a:lvl3pPr indent="457200" latinLnBrk="0">
       <a:defRPr sz="1200">
-        <a:latin typeface="+mn-lt"/>
-        <a:ea typeface="+mn-ea"/>
-        <a:cs typeface="+mn-cs"/>
+        <a:latin typeface="+mj-lt"/>
+        <a:ea typeface="+mj-ea"/>
+        <a:cs typeface="+mj-cs"/>
         <a:sym typeface="Calibri"/>
       </a:defRPr>
     </a:lvl3pPr>
     <a:lvl4pPr indent="685800" latinLnBrk="0">
       <a:defRPr sz="1200">
-        <a:latin typeface="+mn-lt"/>
-        <a:ea typeface="+mn-ea"/>
-        <a:cs typeface="+mn-cs"/>
+        <a:latin typeface="+mj-lt"/>
+        <a:ea typeface="+mj-ea"/>
+        <a:cs typeface="+mj-cs"/>
         <a:sym typeface="Calibri"/>
       </a:defRPr>
     </a:lvl4pPr>
     <a:lvl5pPr indent="914400" latinLnBrk="0">
       <a:defRPr sz="1200">
-        <a:latin typeface="+mn-lt"/>
-        <a:ea typeface="+mn-ea"/>
-        <a:cs typeface="+mn-cs"/>
+        <a:latin typeface="+mj-lt"/>
+        <a:ea typeface="+mj-ea"/>
+        <a:cs typeface="+mj-cs"/>
         <a:sym typeface="Calibri"/>
       </a:defRPr>
     </a:lvl5pPr>
     <a:lvl6pPr indent="1143000" latinLnBrk="0">
       <a:defRPr sz="1200">
-        <a:latin typeface="+mn-lt"/>
-        <a:ea typeface="+mn-ea"/>
-        <a:cs typeface="+mn-cs"/>
+        <a:latin typeface="+mj-lt"/>
+        <a:ea typeface="+mj-ea"/>
+        <a:cs typeface="+mj-cs"/>
         <a:sym typeface="Calibri"/>
       </a:defRPr>
     </a:lvl6pPr>
     <a:lvl7pPr indent="1371600" latinLnBrk="0">
       <a:defRPr sz="1200">
-        <a:latin typeface="+mn-lt"/>
-        <a:ea typeface="+mn-ea"/>
-        <a:cs typeface="+mn-cs"/>
+        <a:latin typeface="+mj-lt"/>
+        <a:ea typeface="+mj-ea"/>
+        <a:cs typeface="+mj-cs"/>
         <a:sym typeface="Calibri"/>
       </a:defRPr>
     </a:lvl7pPr>
     <a:lvl8pPr indent="1600200" latinLnBrk="0">
       <a:defRPr sz="1200">
-        <a:latin typeface="+mn-lt"/>
-        <a:ea typeface="+mn-ea"/>
-        <a:cs typeface="+mn-cs"/>
+        <a:latin typeface="+mj-lt"/>
+        <a:ea typeface="+mj-ea"/>
+        <a:cs typeface="+mj-cs"/>
         <a:sym typeface="Calibri"/>
       </a:defRPr>
     </a:lvl8pPr>
     <a:lvl9pPr indent="1828800" latinLnBrk="0">
       <a:defRPr sz="1200">
-        <a:latin typeface="+mn-lt"/>
-        <a:ea typeface="+mn-ea"/>
-        <a:cs typeface="+mn-cs"/>
+        <a:latin typeface="+mj-lt"/>
+        <a:ea typeface="+mj-ea"/>
+        <a:cs typeface="+mj-cs"/>
         <a:sym typeface="Calibri"/>
       </a:defRPr>
     </a:lvl9pPr>
@@ -560,7 +560,7 @@
           </a:ln>
         </p:spPr>
         <p:txBody>
-          <a:bodyPr lIns="45719" rIns="45719" anchor="ctr"/>
+          <a:bodyPr lIns="45718" tIns="45718" rIns="45718" bIns="45718" anchor="ctr"/>
           <a:lstStyle/>
           <a:p>
             <a:pPr algn="ctr">
@@ -643,7 +643,7 @@
           </a:ln>
         </p:spPr>
         <p:txBody>
-          <a:bodyPr lIns="45719" rIns="45719" anchor="ctr"/>
+          <a:bodyPr lIns="45718" tIns="45718" rIns="45718" bIns="45718" anchor="ctr"/>
           <a:lstStyle/>
           <a:p>
             <a:pPr algn="ctr">
@@ -726,7 +726,7 @@
           </a:ln>
         </p:spPr>
         <p:txBody>
-          <a:bodyPr lIns="45719" rIns="45719" anchor="ctr"/>
+          <a:bodyPr lIns="45718" tIns="45718" rIns="45718" bIns="45718" anchor="ctr"/>
           <a:lstStyle/>
           <a:p>
             <a:pPr algn="ctr">
@@ -809,7 +809,7 @@
           </a:ln>
         </p:spPr>
         <p:txBody>
-          <a:bodyPr lIns="45719" rIns="45719" anchor="ctr"/>
+          <a:bodyPr lIns="45718" tIns="45718" rIns="45718" bIns="45718" anchor="ctr"/>
           <a:lstStyle/>
           <a:p>
             <a:pPr algn="ctr">
@@ -965,8 +965,8 @@
         </p:nvSpPr>
         <p:spPr>
           <a:xfrm>
-            <a:off x="609600" y="92074"/>
-            <a:ext cx="10972800" cy="1508127"/>
+            <a:off x="1826683" y="769937"/>
+            <a:ext cx="9753601" cy="1668463"/>
           </a:xfrm>
           <a:prstGeom prst="rect">
             <a:avLst/>
@@ -981,7 +981,7 @@
           </a:extLst>
         </p:spPr>
         <p:txBody>
-          <a:bodyPr lIns="45719" rIns="45719" anchor="ctr"/>
+          <a:bodyPr lIns="45718" tIns="45718" rIns="45718" bIns="45718" anchor="ctr"/>
           <a:lstStyle/>
           <a:p>
             <a:pPr/>
@@ -1001,8 +1001,8 @@
         </p:nvSpPr>
         <p:spPr>
           <a:xfrm>
-            <a:off x="609600" y="1600200"/>
-            <a:ext cx="10972800" cy="5257800"/>
+            <a:off x="6805083" y="2438400"/>
+            <a:ext cx="4775201" cy="4419600"/>
           </a:xfrm>
           <a:prstGeom prst="rect">
             <a:avLst/>
@@ -1017,7 +1017,7 @@
           </a:extLst>
         </p:spPr>
         <p:txBody>
-          <a:bodyPr lIns="45719" rIns="45719"/>
+          <a:bodyPr lIns="45718" tIns="45718" rIns="45718" bIns="45718"/>
           <a:lstStyle/>
           <a:p>
             <a:pPr/>
@@ -1061,8 +1061,8 @@
         </p:nvSpPr>
         <p:spPr>
           <a:xfrm>
-            <a:off x="5892800" y="6172200"/>
-            <a:ext cx="2844800" cy="368301"/>
+            <a:off x="8473620" y="6221731"/>
+            <a:ext cx="263980" cy="269239"/>
           </a:xfrm>
           <a:prstGeom prst="rect">
             <a:avLst/>
@@ -1072,7 +1072,7 @@
           </a:ln>
         </p:spPr>
         <p:txBody>
-          <a:bodyPr wrap="none" lIns="45719" rIns="45719" anchor="ctr">
+          <a:bodyPr wrap="none" lIns="45718" tIns="45718" rIns="45718" bIns="45718" anchor="ctr">
             <a:spAutoFit/>
           </a:bodyPr>
           <a:lstStyle>
@@ -1386,9 +1386,9 @@
             <a:srgbClr val="000000"/>
           </a:solidFill>
           <a:uFillTx/>
-          <a:latin typeface="+mn-lt"/>
-          <a:ea typeface="+mn-ea"/>
-          <a:cs typeface="+mn-cs"/>
+          <a:latin typeface="+mj-lt"/>
+          <a:ea typeface="+mj-ea"/>
+          <a:cs typeface="+mj-cs"/>
           <a:sym typeface="Calibri"/>
         </a:defRPr>
       </a:lvl1pPr>
@@ -1415,9 +1415,9 @@
             <a:srgbClr val="000000"/>
           </a:solidFill>
           <a:uFillTx/>
-          <a:latin typeface="+mn-lt"/>
-          <a:ea typeface="+mn-ea"/>
-          <a:cs typeface="+mn-cs"/>
+          <a:latin typeface="+mj-lt"/>
+          <a:ea typeface="+mj-ea"/>
+          <a:cs typeface="+mj-cs"/>
           <a:sym typeface="Calibri"/>
         </a:defRPr>
       </a:lvl2pPr>
@@ -1444,9 +1444,9 @@
             <a:srgbClr val="000000"/>
           </a:solidFill>
           <a:uFillTx/>
-          <a:latin typeface="+mn-lt"/>
-          <a:ea typeface="+mn-ea"/>
-          <a:cs typeface="+mn-cs"/>
+          <a:latin typeface="+mj-lt"/>
+          <a:ea typeface="+mj-ea"/>
+          <a:cs typeface="+mj-cs"/>
           <a:sym typeface="Calibri"/>
         </a:defRPr>
       </a:lvl3pPr>
@@ -1473,9 +1473,9 @@
             <a:srgbClr val="000000"/>
           </a:solidFill>
           <a:uFillTx/>
-          <a:latin typeface="+mn-lt"/>
-          <a:ea typeface="+mn-ea"/>
-          <a:cs typeface="+mn-cs"/>
+          <a:latin typeface="+mj-lt"/>
+          <a:ea typeface="+mj-ea"/>
+          <a:cs typeface="+mj-cs"/>
           <a:sym typeface="Calibri"/>
         </a:defRPr>
       </a:lvl4pPr>
@@ -1502,9 +1502,9 @@
             <a:srgbClr val="000000"/>
           </a:solidFill>
           <a:uFillTx/>
-          <a:latin typeface="+mn-lt"/>
-          <a:ea typeface="+mn-ea"/>
-          <a:cs typeface="+mn-cs"/>
+          <a:latin typeface="+mj-lt"/>
+          <a:ea typeface="+mj-ea"/>
+          <a:cs typeface="+mj-cs"/>
           <a:sym typeface="Calibri"/>
         </a:defRPr>
       </a:lvl5pPr>
@@ -1531,9 +1531,9 @@
             <a:srgbClr val="000000"/>
           </a:solidFill>
           <a:uFillTx/>
-          <a:latin typeface="+mn-lt"/>
-          <a:ea typeface="+mn-ea"/>
-          <a:cs typeface="+mn-cs"/>
+          <a:latin typeface="+mj-lt"/>
+          <a:ea typeface="+mj-ea"/>
+          <a:cs typeface="+mj-cs"/>
           <a:sym typeface="Calibri"/>
         </a:defRPr>
       </a:lvl6pPr>
@@ -1560,9 +1560,9 @@
             <a:srgbClr val="000000"/>
           </a:solidFill>
           <a:uFillTx/>
-          <a:latin typeface="+mn-lt"/>
-          <a:ea typeface="+mn-ea"/>
-          <a:cs typeface="+mn-cs"/>
+          <a:latin typeface="+mj-lt"/>
+          <a:ea typeface="+mj-ea"/>
+          <a:cs typeface="+mj-cs"/>
           <a:sym typeface="Calibri"/>
         </a:defRPr>
       </a:lvl7pPr>
@@ -1589,9 +1589,9 @@
             <a:srgbClr val="000000"/>
           </a:solidFill>
           <a:uFillTx/>
-          <a:latin typeface="+mn-lt"/>
-          <a:ea typeface="+mn-ea"/>
-          <a:cs typeface="+mn-cs"/>
+          <a:latin typeface="+mj-lt"/>
+          <a:ea typeface="+mj-ea"/>
+          <a:cs typeface="+mj-cs"/>
           <a:sym typeface="Calibri"/>
         </a:defRPr>
       </a:lvl8pPr>
@@ -1618,9 +1618,9 @@
             <a:srgbClr val="000000"/>
           </a:solidFill>
           <a:uFillTx/>
-          <a:latin typeface="+mn-lt"/>
-          <a:ea typeface="+mn-ea"/>
-          <a:cs typeface="+mn-cs"/>
+          <a:latin typeface="+mj-lt"/>
+          <a:ea typeface="+mj-ea"/>
+          <a:cs typeface="+mj-cs"/>
           <a:sym typeface="Calibri"/>
         </a:defRPr>
       </a:lvl9pPr>
@@ -1655,7 +1655,7 @@
           <a:sym typeface="Calibri"/>
         </a:defRPr>
       </a:lvl1pPr>
-      <a:lvl2pPr marL="0" marR="0" indent="457200" algn="r" defTabSz="914400" rtl="0" latinLnBrk="0">
+      <a:lvl2pPr marL="0" marR="0" indent="0" algn="r" defTabSz="914400" rtl="0" latinLnBrk="0">
         <a:lnSpc>
           <a:spcPct val="100000"/>
         </a:lnSpc>
@@ -1684,7 +1684,7 @@
           <a:sym typeface="Calibri"/>
         </a:defRPr>
       </a:lvl2pPr>
-      <a:lvl3pPr marL="0" marR="0" indent="914400" algn="r" defTabSz="914400" rtl="0" latinLnBrk="0">
+      <a:lvl3pPr marL="0" marR="0" indent="0" algn="r" defTabSz="914400" rtl="0" latinLnBrk="0">
         <a:lnSpc>
           <a:spcPct val="100000"/>
         </a:lnSpc>
@@ -1713,7 +1713,7 @@
           <a:sym typeface="Calibri"/>
         </a:defRPr>
       </a:lvl3pPr>
-      <a:lvl4pPr marL="0" marR="0" indent="1371600" algn="r" defTabSz="914400" rtl="0" latinLnBrk="0">
+      <a:lvl4pPr marL="0" marR="0" indent="0" algn="r" defTabSz="914400" rtl="0" latinLnBrk="0">
         <a:lnSpc>
           <a:spcPct val="100000"/>
         </a:lnSpc>
@@ -1742,7 +1742,7 @@
           <a:sym typeface="Calibri"/>
         </a:defRPr>
       </a:lvl4pPr>
-      <a:lvl5pPr marL="0" marR="0" indent="1828800" algn="r" defTabSz="914400" rtl="0" latinLnBrk="0">
+      <a:lvl5pPr marL="0" marR="0" indent="0" algn="r" defTabSz="914400" rtl="0" latinLnBrk="0">
         <a:lnSpc>
           <a:spcPct val="100000"/>
         </a:lnSpc>
@@ -1771,7 +1771,7 @@
           <a:sym typeface="Calibri"/>
         </a:defRPr>
       </a:lvl5pPr>
-      <a:lvl6pPr marL="0" marR="0" indent="2286000" algn="r" defTabSz="914400" rtl="0" latinLnBrk="0">
+      <a:lvl6pPr marL="0" marR="0" indent="0" algn="r" defTabSz="914400" rtl="0" latinLnBrk="0">
         <a:lnSpc>
           <a:spcPct val="100000"/>
         </a:lnSpc>
@@ -1800,7 +1800,7 @@
           <a:sym typeface="Calibri"/>
         </a:defRPr>
       </a:lvl6pPr>
-      <a:lvl7pPr marL="0" marR="0" indent="2743200" algn="r" defTabSz="914400" rtl="0" latinLnBrk="0">
+      <a:lvl7pPr marL="0" marR="0" indent="0" algn="r" defTabSz="914400" rtl="0" latinLnBrk="0">
         <a:lnSpc>
           <a:spcPct val="100000"/>
         </a:lnSpc>
@@ -1829,7 +1829,7 @@
           <a:sym typeface="Calibri"/>
         </a:defRPr>
       </a:lvl7pPr>
-      <a:lvl8pPr marL="0" marR="0" indent="3200400" algn="r" defTabSz="914400" rtl="0" latinLnBrk="0">
+      <a:lvl8pPr marL="0" marR="0" indent="0" algn="r" defTabSz="914400" rtl="0" latinLnBrk="0">
         <a:lnSpc>
           <a:spcPct val="100000"/>
         </a:lnSpc>
@@ -1858,7 +1858,7 @@
           <a:sym typeface="Calibri"/>
         </a:defRPr>
       </a:lvl8pPr>
-      <a:lvl9pPr marL="0" marR="0" indent="3657600" algn="r" defTabSz="914400" rtl="0" latinLnBrk="0">
+      <a:lvl9pPr marL="0" marR="0" indent="0" algn="r" defTabSz="914400" rtl="0" latinLnBrk="0">
         <a:lnSpc>
           <a:spcPct val="100000"/>
         </a:lnSpc>
@@ -1918,7 +1918,7 @@
         <p:spPr>
           <a:xfrm>
             <a:off x="3400707" y="3210174"/>
-            <a:ext cx="5402683" cy="2511770"/>
+            <a:ext cx="5402684" cy="2511767"/>
           </a:xfrm>
           <a:prstGeom prst="rect">
             <a:avLst/>
@@ -1933,7 +1933,7 @@
           </a:extLst>
         </p:spPr>
         <p:txBody>
-          <a:bodyPr lIns="45719" rIns="45719">
+          <a:bodyPr lIns="45718" tIns="45718" rIns="45718" bIns="45718">
             <a:spAutoFit/>
           </a:bodyPr>
           <a:lstStyle/>
@@ -1985,8 +1985,8 @@
         </p:nvSpPr>
         <p:spPr>
           <a:xfrm>
-            <a:off x="3370519" y="5371810"/>
-            <a:ext cx="5656703" cy="1"/>
+            <a:off x="3370518" y="5371810"/>
+            <a:ext cx="5656705" cy="2"/>
           </a:xfrm>
           <a:prstGeom prst="line">
             <a:avLst/>
@@ -2001,7 +2001,7 @@
           </a:ln>
         </p:spPr>
         <p:txBody>
-          <a:bodyPr lIns="45719" rIns="45719"/>
+          <a:bodyPr lIns="45718" tIns="45718" rIns="45718" bIns="45718"/>
           <a:lstStyle/>
           <a:p>
             <a:pPr/>
@@ -2017,7 +2017,7 @@
         <p:spPr>
           <a:xfrm>
             <a:off x="3400707" y="5704895"/>
-            <a:ext cx="5626515" cy="802641"/>
+            <a:ext cx="5626516" cy="802639"/>
           </a:xfrm>
           <a:prstGeom prst="rect">
             <a:avLst/>
@@ -2035,7 +2035,7 @@
           </a:extLst>
         </p:spPr>
         <p:txBody>
-          <a:bodyPr lIns="45719" rIns="45719">
+          <a:bodyPr lIns="45718" tIns="45718" rIns="45718" bIns="45718">
             <a:spAutoFit/>
           </a:bodyPr>
           <a:lstStyle/>
@@ -2052,16 +2052,7 @@
               </a:defRPr>
             </a:pPr>
             <a:r>
-              <a:t>组员： 翦孟欣 </a:t>
-            </a:r>
-            <a:r>
-              <a:t>16340092     </a:t>
-            </a:r>
-            <a:r>
-              <a:t>黄悦    </a:t>
-            </a:r>
-            <a:r>
-              <a:t>16340087</a:t>
+              <a:t>组员： 翦孟欣 16340092     黄悦    16340087</a:t>
             </a:r>
           </a:p>
           <a:p>
@@ -2077,19 +2068,7 @@
               </a:defRPr>
             </a:pPr>
             <a:r>
-              <a:t>           </a:t>
-            </a:r>
-            <a:r>
-              <a:t>黎雨桐 </a:t>
-            </a:r>
-            <a:r>
-              <a:t>16340110     </a:t>
-            </a:r>
-            <a:r>
-              <a:t>吕雪萌 </a:t>
-            </a:r>
-            <a:r>
-              <a:t>16340164</a:t>
+              <a:t>           黎雨桐 16340110     吕雪萌 16340164</a:t>
             </a:r>
           </a:p>
         </p:txBody>
@@ -2129,7 +2108,7 @@
         <p:spPr>
           <a:xfrm>
             <a:off x="4206823" y="3621909"/>
-            <a:ext cx="5402683" cy="2136141"/>
+            <a:ext cx="5402684" cy="2136139"/>
           </a:xfrm>
           <a:prstGeom prst="rect">
             <a:avLst/>
@@ -2144,7 +2123,7 @@
           </a:extLst>
         </p:spPr>
         <p:txBody>
-          <a:bodyPr lIns="45719" rIns="45719">
+          <a:bodyPr lIns="45718" tIns="45718" rIns="45718" bIns="45718">
             <a:spAutoFit/>
           </a:bodyPr>
           <a:lstStyle>
@@ -2153,29 +2132,16 @@
                 <a:solidFill>
                   <a:srgbClr val="ECC345"/>
                 </a:solidFill>
-                <a:latin typeface="+mj-lt"/>
-                <a:ea typeface="+mj-ea"/>
-                <a:cs typeface="+mj-cs"/>
+                <a:latin typeface="+mn-lt"/>
+                <a:ea typeface="+mn-ea"/>
+                <a:cs typeface="+mn-cs"/>
                 <a:sym typeface="Helvetica"/>
               </a:defRPr>
             </a:lvl1pPr>
           </a:lstStyle>
           <a:p>
-            <a:pPr>
-              <a:defRPr>
-                <a:latin typeface="Times New Roman"/>
-                <a:ea typeface="Times New Roman"/>
-                <a:cs typeface="Times New Roman"/>
-                <a:sym typeface="Times New Roman"/>
-              </a:defRPr>
-            </a:pPr>
+            <a:pPr/>
             <a:r>
-              <a:rPr>
-                <a:latin typeface="+mj-lt"/>
-                <a:ea typeface="+mj-ea"/>
-                <a:cs typeface="+mj-cs"/>
-                <a:sym typeface="Helvetica"/>
-              </a:rPr>
               <a:t>谢谢</a:t>
             </a:r>
           </a:p>
@@ -2216,7 +2182,7 @@
         <p:spPr>
           <a:xfrm>
             <a:off x="5727979" y="2717474"/>
-            <a:ext cx="1068443" cy="523241"/>
+            <a:ext cx="1068444" cy="523239"/>
           </a:xfrm>
           <a:prstGeom prst="rect">
             <a:avLst/>
@@ -2231,7 +2197,7 @@
           </a:extLst>
         </p:spPr>
         <p:txBody>
-          <a:bodyPr lIns="45719" rIns="45719">
+          <a:bodyPr lIns="45718" tIns="45718" rIns="45718" bIns="45718">
             <a:spAutoFit/>
           </a:bodyPr>
           <a:lstStyle>
@@ -2264,7 +2230,7 @@
         <p:spPr>
           <a:xfrm>
             <a:off x="5218250" y="963973"/>
-            <a:ext cx="1755499" cy="904241"/>
+            <a:ext cx="1755500" cy="904239"/>
           </a:xfrm>
           <a:prstGeom prst="rect">
             <a:avLst/>
@@ -2282,7 +2248,7 @@
           </a:extLst>
         </p:spPr>
         <p:txBody>
-          <a:bodyPr lIns="45719" rIns="45719">
+          <a:bodyPr lIns="45718" tIns="45718" rIns="45718" bIns="45718">
             <a:spAutoFit/>
           </a:bodyPr>
           <a:lstStyle/>
@@ -2328,10 +2294,10 @@
         </p:nvGrpSpPr>
         <p:grpSpPr>
           <a:xfrm>
-            <a:off x="2284644" y="2292788"/>
-            <a:ext cx="7857176" cy="2680262"/>
-            <a:chOff x="0" y="0"/>
-            <a:chExt cx="7857174" cy="2680260"/>
+            <a:off x="2284642" y="2292787"/>
+            <a:ext cx="7857182" cy="2680266"/>
+            <a:chOff x="-1" y="0"/>
+            <a:chExt cx="7857180" cy="2680265"/>
           </a:xfrm>
         </p:grpSpPr>
         <p:grpSp>
@@ -2342,10 +2308,10 @@
           </p:nvGrpSpPr>
           <p:grpSpPr>
             <a:xfrm>
-              <a:off x="-1" y="1601425"/>
-              <a:ext cx="3811118" cy="1078836"/>
+              <a:off x="-2" y="1601426"/>
+              <a:ext cx="3811123" cy="1078839"/>
               <a:chOff x="0" y="0"/>
-              <a:chExt cx="3811116" cy="1078835"/>
+              <a:chExt cx="3811121" cy="1078838"/>
             </a:xfrm>
           </p:grpSpPr>
           <p:grpSp>
@@ -2356,10 +2322,10 @@
             </p:nvGrpSpPr>
             <p:grpSpPr>
               <a:xfrm>
-                <a:off x="2350" y="0"/>
-                <a:ext cx="3808767" cy="1078836"/>
+                <a:off x="2349" y="-1"/>
+                <a:ext cx="3808772" cy="1078840"/>
                 <a:chOff x="0" y="0"/>
-                <a:chExt cx="3808765" cy="1078835"/>
+                <a:chExt cx="3808771" cy="1078838"/>
               </a:xfrm>
             </p:grpSpPr>
             <p:sp>
@@ -2370,8 +2336,8 @@
               </p:nvSpPr>
               <p:spPr>
                 <a:xfrm flipH="1">
-                  <a:off x="0" y="0"/>
-                  <a:ext cx="3808766" cy="1078836"/>
+                  <a:off x="-1" y="0"/>
+                  <a:ext cx="3808772" cy="1078839"/>
                 </a:xfrm>
                 <a:prstGeom prst="roundRect">
                   <a:avLst>
@@ -2388,7 +2354,7 @@
                 <a:effectLst/>
               </p:spPr>
               <p:txBody>
-                <a:bodyPr wrap="square" lIns="45719" tIns="45719" rIns="45719" bIns="45719" numCol="1" anchor="ctr">
+                <a:bodyPr wrap="square" lIns="45718" tIns="45718" rIns="45718" bIns="45718" numCol="1" anchor="ctr">
                   <a:noAutofit/>
                 </a:bodyPr>
                 <a:lstStyle/>
@@ -2412,7 +2378,7 @@
               <p:spPr>
                 <a:xfrm>
                   <a:off x="157989" y="239697"/>
-                  <a:ext cx="3492787" cy="599441"/>
+                  <a:ext cx="3492792" cy="599439"/>
                 </a:xfrm>
                 <a:prstGeom prst="rect">
                   <a:avLst/>
@@ -2430,7 +2396,7 @@
                 </a:extLst>
               </p:spPr>
               <p:txBody>
-                <a:bodyPr wrap="square" lIns="45719" tIns="45719" rIns="45719" bIns="45719" numCol="1" anchor="ctr">
+                <a:bodyPr wrap="square" lIns="45718" tIns="45718" rIns="45718" bIns="45718" numCol="1" anchor="ctr">
                   <a:spAutoFit/>
                 </a:bodyPr>
                 <a:lstStyle>
@@ -2464,9 +2430,9 @@
             <p:grpSpPr>
               <a:xfrm>
                 <a:off x="-1" y="47519"/>
-                <a:ext cx="990535" cy="990875"/>
+                <a:ext cx="990537" cy="990879"/>
                 <a:chOff x="0" y="0"/>
-                <a:chExt cx="990534" cy="990874"/>
+                <a:chExt cx="990536" cy="990877"/>
               </a:xfrm>
             </p:grpSpPr>
             <p:sp>
@@ -2477,8 +2443,8 @@
               </p:nvSpPr>
               <p:spPr>
                 <a:xfrm flipH="1">
-                  <a:off x="0" y="0"/>
-                  <a:ext cx="990535" cy="990875"/>
+                  <a:off x="0" y="-1"/>
+                  <a:ext cx="990537" cy="990879"/>
                 </a:xfrm>
                 <a:prstGeom prst="ellipse">
                   <a:avLst/>
@@ -2493,7 +2459,7 @@
                 <a:effectLst/>
               </p:spPr>
               <p:txBody>
-                <a:bodyPr wrap="square" lIns="45719" tIns="45719" rIns="45719" bIns="45719" numCol="1" anchor="ctr">
+                <a:bodyPr wrap="square" lIns="45718" tIns="45718" rIns="45718" bIns="45718" numCol="1" anchor="ctr">
                   <a:noAutofit/>
                 </a:bodyPr>
                 <a:lstStyle/>
@@ -2521,7 +2487,7 @@
               <p:spPr>
                 <a:xfrm>
                   <a:off x="145061" y="216036"/>
-                  <a:ext cx="700414" cy="558801"/>
+                  <a:ext cx="700416" cy="558801"/>
                 </a:xfrm>
                 <a:prstGeom prst="rect">
                   <a:avLst/>
@@ -2573,10 +2539,10 @@
           </p:nvGrpSpPr>
           <p:grpSpPr>
             <a:xfrm>
-              <a:off x="1937307" y="0"/>
-              <a:ext cx="3809212" cy="1078836"/>
+              <a:off x="1937307" y="-1"/>
+              <a:ext cx="3809215" cy="1078839"/>
               <a:chOff x="0" y="0"/>
-              <a:chExt cx="3809211" cy="1078835"/>
+              <a:chExt cx="3809214" cy="1078837"/>
             </a:xfrm>
           </p:grpSpPr>
           <p:sp>
@@ -2587,8 +2553,8 @@
             </p:nvSpPr>
             <p:spPr>
               <a:xfrm flipH="1">
-                <a:off x="0" y="0"/>
-                <a:ext cx="3809212" cy="1078836"/>
+                <a:off x="0" y="-1"/>
+                <a:ext cx="3809215" cy="1078839"/>
               </a:xfrm>
               <a:prstGeom prst="roundRect">
                 <a:avLst>
@@ -2605,7 +2571,7 @@
               <a:effectLst/>
             </p:spPr>
             <p:txBody>
-              <a:bodyPr wrap="square" lIns="45719" tIns="45719" rIns="45719" bIns="45719" numCol="1" anchor="ctr">
+              <a:bodyPr wrap="square" lIns="45718" tIns="45718" rIns="45718" bIns="45718" numCol="1" anchor="ctr">
                 <a:noAutofit/>
               </a:bodyPr>
               <a:lstStyle/>
@@ -2628,10 +2594,10 @@
             </p:nvGrpSpPr>
             <p:grpSpPr>
               <a:xfrm>
-                <a:off x="2818333" y="43473"/>
-                <a:ext cx="990651" cy="990875"/>
+                <a:off x="2818335" y="43473"/>
+                <a:ext cx="990653" cy="990879"/>
                 <a:chOff x="0" y="0"/>
-                <a:chExt cx="990649" cy="990874"/>
+                <a:chExt cx="990652" cy="990877"/>
               </a:xfrm>
             </p:grpSpPr>
             <p:sp>
@@ -2642,8 +2608,8 @@
               </p:nvSpPr>
               <p:spPr>
                 <a:xfrm flipH="1">
-                  <a:off x="0" y="0"/>
-                  <a:ext cx="990650" cy="990875"/>
+                  <a:off x="0" y="-1"/>
+                  <a:ext cx="990653" cy="990879"/>
                 </a:xfrm>
                 <a:prstGeom prst="ellipse">
                   <a:avLst/>
@@ -2658,7 +2624,7 @@
                 <a:effectLst/>
               </p:spPr>
               <p:txBody>
-                <a:bodyPr wrap="square" lIns="45719" tIns="45719" rIns="45719" bIns="45719" numCol="1" anchor="ctr">
+                <a:bodyPr wrap="square" lIns="45718" tIns="45718" rIns="45718" bIns="45718" numCol="1" anchor="ctr">
                   <a:noAutofit/>
                 </a:bodyPr>
                 <a:lstStyle/>
@@ -2686,7 +2652,7 @@
               <p:spPr>
                 <a:xfrm>
                   <a:off x="145077" y="216036"/>
-                  <a:ext cx="700497" cy="558801"/>
+                  <a:ext cx="700499" cy="558801"/>
                 </a:xfrm>
                 <a:prstGeom prst="rect">
                   <a:avLst/>
@@ -2738,10 +2704,10 @@
           </p:nvGrpSpPr>
           <p:grpSpPr>
             <a:xfrm>
-              <a:off x="4047327" y="1560786"/>
-              <a:ext cx="3809848" cy="1078837"/>
-              <a:chOff x="0" y="0"/>
-              <a:chExt cx="3809846" cy="1078835"/>
+              <a:off x="4047326" y="1560787"/>
+              <a:ext cx="3809854" cy="1078840"/>
+              <a:chOff x="-1" y="0"/>
+              <a:chExt cx="3809852" cy="1078839"/>
             </a:xfrm>
           </p:grpSpPr>
           <p:grpSp>
@@ -2752,10 +2718,10 @@
             </p:nvGrpSpPr>
             <p:grpSpPr>
               <a:xfrm>
-                <a:off x="-1" y="0"/>
-                <a:ext cx="3809256" cy="1078836"/>
+                <a:off x="-2" y="0"/>
+                <a:ext cx="3809262" cy="1078840"/>
                 <a:chOff x="0" y="0"/>
-                <a:chExt cx="3809254" cy="1078835"/>
+                <a:chExt cx="3809260" cy="1078839"/>
               </a:xfrm>
             </p:grpSpPr>
             <p:sp>
@@ -2766,8 +2732,8 @@
               </p:nvSpPr>
               <p:spPr>
                 <a:xfrm flipH="1">
-                  <a:off x="0" y="0"/>
-                  <a:ext cx="3809255" cy="1078836"/>
+                  <a:off x="-1" y="0"/>
+                  <a:ext cx="3809262" cy="1078840"/>
                 </a:xfrm>
                 <a:prstGeom prst="roundRect">
                   <a:avLst>
@@ -2784,7 +2750,7 @@
                 <a:effectLst/>
               </p:spPr>
               <p:txBody>
-                <a:bodyPr wrap="square" lIns="45719" tIns="45719" rIns="45719" bIns="45719" numCol="1" anchor="ctr">
+                <a:bodyPr wrap="square" lIns="45718" tIns="45718" rIns="45718" bIns="45718" numCol="1" anchor="ctr">
                   <a:noAutofit/>
                 </a:bodyPr>
                 <a:lstStyle/>
@@ -2808,7 +2774,7 @@
               <p:spPr>
                 <a:xfrm>
                   <a:off x="157990" y="239697"/>
-                  <a:ext cx="3493275" cy="599441"/>
+                  <a:ext cx="3493280" cy="599439"/>
                 </a:xfrm>
                 <a:prstGeom prst="rect">
                   <a:avLst/>
@@ -2826,7 +2792,7 @@
                 </a:extLst>
               </p:spPr>
               <p:txBody>
-                <a:bodyPr wrap="square" lIns="45719" tIns="45719" rIns="45719" bIns="45719" numCol="1" anchor="ctr">
+                <a:bodyPr wrap="square" lIns="45718" tIns="45718" rIns="45718" bIns="45718" numCol="1" anchor="ctr">
                   <a:spAutoFit/>
                 </a:bodyPr>
                 <a:lstStyle>
@@ -2859,10 +2825,10 @@
             </p:nvGrpSpPr>
             <p:grpSpPr>
               <a:xfrm>
-                <a:off x="2819186" y="43980"/>
-                <a:ext cx="990661" cy="990875"/>
+                <a:off x="2819189" y="43980"/>
+                <a:ext cx="990663" cy="990879"/>
                 <a:chOff x="0" y="0"/>
-                <a:chExt cx="990659" cy="990874"/>
+                <a:chExt cx="990662" cy="990877"/>
               </a:xfrm>
             </p:grpSpPr>
             <p:sp>
@@ -2874,7 +2840,7 @@
               <p:spPr>
                 <a:xfrm flipH="1">
                   <a:off x="0" y="0"/>
-                  <a:ext cx="990660" cy="990875"/>
+                  <a:ext cx="990663" cy="990879"/>
                 </a:xfrm>
                 <a:prstGeom prst="ellipse">
                   <a:avLst/>
@@ -2889,7 +2855,7 @@
                 <a:effectLst/>
               </p:spPr>
               <p:txBody>
-                <a:bodyPr wrap="square" lIns="45719" tIns="45719" rIns="45719" bIns="45719" numCol="1" anchor="ctr">
+                <a:bodyPr wrap="square" lIns="45718" tIns="45718" rIns="45718" bIns="45718" numCol="1" anchor="ctr">
                   <a:noAutofit/>
                 </a:bodyPr>
                 <a:lstStyle/>
@@ -2917,7 +2883,7 @@
               <p:spPr>
                 <a:xfrm>
                   <a:off x="145078" y="216036"/>
-                  <a:ext cx="700503" cy="558801"/>
+                  <a:ext cx="700506" cy="558801"/>
                 </a:xfrm>
                 <a:prstGeom prst="rect">
                   <a:avLst/>
@@ -2970,7 +2936,7 @@
           <p:spPr>
             <a:xfrm>
               <a:off x="2871989" y="278757"/>
-              <a:ext cx="1526541" cy="599441"/>
+              <a:ext cx="1526539" cy="599439"/>
             </a:xfrm>
             <a:prstGeom prst="rect">
               <a:avLst/>
@@ -2988,7 +2954,7 @@
             </a:extLst>
           </p:spPr>
           <p:txBody>
-            <a:bodyPr wrap="none" lIns="45719" tIns="45719" rIns="45719" bIns="45719" numCol="1" anchor="t">
+            <a:bodyPr wrap="none" lIns="45718" tIns="45718" rIns="45718" bIns="45718" numCol="1" anchor="t">
               <a:spAutoFit/>
             </a:bodyPr>
             <a:lstStyle>
@@ -3048,7 +3014,7 @@
         <p:spPr>
           <a:xfrm>
             <a:off x="5191645" y="4044632"/>
-            <a:ext cx="1729741" cy="662941"/>
+            <a:ext cx="1729739" cy="662939"/>
           </a:xfrm>
           <a:prstGeom prst="rect">
             <a:avLst/>
@@ -3063,7 +3029,7 @@
           </a:extLst>
         </p:spPr>
         <p:txBody>
-          <a:bodyPr wrap="none" lIns="45719" rIns="45719">
+          <a:bodyPr wrap="none" lIns="45718" tIns="45718" rIns="45718" bIns="45718">
             <a:spAutoFit/>
           </a:bodyPr>
           <a:lstStyle>
@@ -3095,8 +3061,8 @@
         </p:nvSpPr>
         <p:spPr>
           <a:xfrm>
-            <a:off x="4997501" y="1272632"/>
-            <a:ext cx="2196999" cy="2225041"/>
+            <a:off x="4997501" y="1272631"/>
+            <a:ext cx="2197000" cy="2225039"/>
           </a:xfrm>
           <a:prstGeom prst="rect">
             <a:avLst/>
@@ -3111,7 +3077,7 @@
           </a:extLst>
         </p:spPr>
         <p:txBody>
-          <a:bodyPr lIns="45719" rIns="45719">
+          <a:bodyPr lIns="45718" tIns="45718" rIns="45718" bIns="45718">
             <a:spAutoFit/>
           </a:bodyPr>
           <a:lstStyle>
@@ -3144,7 +3110,7 @@
         <p:spPr>
           <a:xfrm>
             <a:off x="4997501" y="4588767"/>
-            <a:ext cx="2196999" cy="447041"/>
+            <a:ext cx="2197000" cy="447039"/>
           </a:xfrm>
           <a:prstGeom prst="rect">
             <a:avLst/>
@@ -3159,7 +3125,7 @@
           </a:extLst>
         </p:spPr>
         <p:txBody>
-          <a:bodyPr lIns="45719" rIns="45719">
+          <a:bodyPr lIns="45718" tIns="45718" rIns="45718" bIns="45718">
             <a:spAutoFit/>
           </a:bodyPr>
           <a:lstStyle>
@@ -3213,8 +3179,8 @@
         </p:nvSpPr>
         <p:spPr>
           <a:xfrm>
-            <a:off x="5834379" y="2656205"/>
-            <a:ext cx="5024251" cy="2536191"/>
+            <a:off x="5834379" y="2656204"/>
+            <a:ext cx="5024252" cy="1450339"/>
           </a:xfrm>
           <a:prstGeom prst="rect">
             <a:avLst/>
@@ -3229,12 +3195,11 @@
           </a:extLst>
         </p:spPr>
         <p:txBody>
-          <a:bodyPr lIns="45719" rIns="45719">
+          <a:bodyPr lIns="45718" tIns="45718" rIns="45718" bIns="45718">
             <a:spAutoFit/>
           </a:bodyPr>
-          <a:lstStyle/>
-          <a:p>
-            <a:pPr>
+          <a:lstStyle>
+            <a:lvl1pPr>
               <a:lnSpc>
                 <a:spcPct val="150000"/>
               </a:lnSpc>
@@ -3247,26 +3212,13 @@
                 <a:cs typeface="微软雅黑"/>
                 <a:sym typeface="微软雅黑"/>
               </a:defRPr>
-            </a:pPr>
+            </a:lvl1pPr>
+          </a:lstStyle>
+          <a:p>
+            <a:pPr/>
             <a:r>
-              <a:t>我们小组的项目是一款探索类的游戏。在这游戏中，玩家扮演的一个小男孩在一个神秘的岛屿上醒来。玩家置身于长久被岁月埋藏的遗迹，还有一座巨大的塔指引其向它靠近。在一只乐于助人的狐狸的引导下，玩家必须探索这座神秘莫测的岛屿，解开此处所深藏的秘密。 </a:t>
+              <a:t>我们小组的项目是一款探索类的游戏。在这游戏中，玩家扮演的角色在一个神秘的岛屿上醒来。玩家通过探索这座神秘莫测的岛屿，可以解开此处所深藏的秘密。 </a:t>
             </a:r>
-          </a:p>
-          <a:p>
-            <a:pPr>
-              <a:lnSpc>
-                <a:spcPct val="150000"/>
-              </a:lnSpc>
-              <a:defRPr sz="1400">
-                <a:solidFill>
-                  <a:srgbClr val="FFFFFF"/>
-                </a:solidFill>
-                <a:latin typeface="微软雅黑"/>
-                <a:ea typeface="微软雅黑"/>
-                <a:cs typeface="微软雅黑"/>
-                <a:sym typeface="微软雅黑"/>
-              </a:defRPr>
-            </a:pPr>
           </a:p>
         </p:txBody>
       </p:sp>
@@ -3279,7 +3231,7 @@
         <p:spPr>
           <a:xfrm>
             <a:off x="5853429" y="1213833"/>
-            <a:ext cx="1729741" cy="662941"/>
+            <a:ext cx="1729739" cy="662939"/>
           </a:xfrm>
           <a:prstGeom prst="rect">
             <a:avLst/>
@@ -3297,7 +3249,7 @@
           </a:extLst>
         </p:spPr>
         <p:txBody>
-          <a:bodyPr wrap="none" lIns="45719" rIns="45719">
+          <a:bodyPr wrap="none" lIns="45718" tIns="45718" rIns="45718" bIns="45718">
             <a:spAutoFit/>
           </a:bodyPr>
           <a:lstStyle>
@@ -3339,8 +3291,8 @@
         </p:blipFill>
         <p:spPr>
           <a:xfrm>
-            <a:off x="922655" y="2533052"/>
-            <a:ext cx="4358760" cy="2350696"/>
+            <a:off x="922655" y="2533051"/>
+            <a:ext cx="4358760" cy="2350698"/>
           </a:xfrm>
           <a:prstGeom prst="rect">
             <a:avLst/>
@@ -3384,8 +3336,8 @@
         </p:nvSpPr>
         <p:spPr>
           <a:xfrm>
-            <a:off x="6417944" y="1815465"/>
-            <a:ext cx="4972425" cy="4326891"/>
+            <a:off x="6417943" y="1815464"/>
+            <a:ext cx="4972427" cy="3241039"/>
           </a:xfrm>
           <a:prstGeom prst="rect">
             <a:avLst/>
@@ -3400,7 +3352,7 @@
           </a:extLst>
         </p:spPr>
         <p:txBody>
-          <a:bodyPr lIns="45719" rIns="45719">
+          <a:bodyPr lIns="45718" tIns="45718" rIns="45718" bIns="45718">
             <a:spAutoFit/>
           </a:bodyPr>
           <a:lstStyle/>
@@ -3420,13 +3372,13 @@
               </a:defRPr>
             </a:pPr>
             <a:r>
-              <a:t>我们项目的灵感来自著名的冒险探索游戏</a:t>
+              <a:t>我们项目的灵感来自著名的冒险探索游戏《RIME》，我们会仿照</a:t>
             </a:r>
             <a:r>
-              <a:t>《RIME》</a:t>
+              <a:t>其风格，</a:t>
             </a:r>
             <a:r>
-              <a:t>，我们会在项目中尽可能地创造神秘而优美的场景。</a:t>
+              <a:t>在项目中尽可能地创造神秘而优美的场景。</a:t>
             </a:r>
           </a:p>
           <a:p>
@@ -3496,42 +3448,7 @@
               </a:defRPr>
             </a:pPr>
             <a:r>
-              <a:t>解谜——在古老的遗迹和隐藏的奇景中穿行，通过声音、光影投射、空间透视、平面构筑等解开谜题。</a:t>
-            </a:r>
-          </a:p>
-          <a:p>
-            <a:pPr>
-              <a:lnSpc>
-                <a:spcPct val="150000"/>
-              </a:lnSpc>
-              <a:defRPr sz="1400">
-                <a:solidFill>
-                  <a:srgbClr val="FFFFFF"/>
-                </a:solidFill>
-                <a:latin typeface="微软雅黑"/>
-                <a:ea typeface="微软雅黑"/>
-                <a:cs typeface="微软雅黑"/>
-                <a:sym typeface="微软雅黑"/>
-              </a:defRPr>
-            </a:pPr>
-          </a:p>
-          <a:p>
-            <a:pPr>
-              <a:lnSpc>
-                <a:spcPct val="150000"/>
-              </a:lnSpc>
-              <a:defRPr sz="1400">
-                <a:solidFill>
-                  <a:srgbClr val="FFFFFF"/>
-                </a:solidFill>
-                <a:latin typeface="微软雅黑"/>
-                <a:ea typeface="微软雅黑"/>
-                <a:cs typeface="微软雅黑"/>
-                <a:sym typeface="微软雅黑"/>
-              </a:defRPr>
-            </a:pPr>
-            <a:r>
-              <a:t>沉浸其中——灵感来源于地中海的壮丽景观，极富感染力的音乐和色彩相得益彰，让你沉醉在这瑰丽的世界中。</a:t>
+              <a:t>解谜——在遗迹和隐藏的奇景中穿行，通过声音、光影投射等解开谜题。</a:t>
             </a:r>
           </a:p>
         </p:txBody>
@@ -3545,7 +3462,7 @@
         <p:spPr>
           <a:xfrm>
             <a:off x="6494388" y="748030"/>
-            <a:ext cx="1416180" cy="510541"/>
+            <a:ext cx="1416181" cy="510539"/>
           </a:xfrm>
           <a:prstGeom prst="rect">
             <a:avLst/>
@@ -3563,7 +3480,7 @@
           </a:extLst>
         </p:spPr>
         <p:txBody>
-          <a:bodyPr lIns="45719" rIns="45719">
+          <a:bodyPr lIns="45718" tIns="45718" rIns="45718" bIns="45718">
             <a:spAutoFit/>
           </a:bodyPr>
           <a:lstStyle>
@@ -3606,7 +3523,7 @@
         <p:spPr>
           <a:xfrm>
             <a:off x="604519" y="2094339"/>
-            <a:ext cx="4972424" cy="2669322"/>
+            <a:ext cx="4972425" cy="2669322"/>
           </a:xfrm>
           <a:prstGeom prst="rect">
             <a:avLst/>
@@ -3651,7 +3568,7 @@
         <p:spPr>
           <a:xfrm>
             <a:off x="3746639" y="4003992"/>
-            <a:ext cx="4698723" cy="662941"/>
+            <a:ext cx="4698724" cy="662939"/>
           </a:xfrm>
           <a:prstGeom prst="rect">
             <a:avLst/>
@@ -3666,7 +3583,7 @@
           </a:extLst>
         </p:spPr>
         <p:txBody>
-          <a:bodyPr lIns="45719" rIns="45719">
+          <a:bodyPr lIns="45718" tIns="45718" rIns="45718" bIns="45718">
             <a:spAutoFit/>
           </a:bodyPr>
           <a:lstStyle>
@@ -3698,8 +3615,8 @@
         </p:nvSpPr>
         <p:spPr>
           <a:xfrm>
-            <a:off x="4997501" y="1303112"/>
-            <a:ext cx="2196999" cy="2225041"/>
+            <a:off x="4997501" y="1303111"/>
+            <a:ext cx="2197000" cy="2225039"/>
           </a:xfrm>
           <a:prstGeom prst="rect">
             <a:avLst/>
@@ -3714,7 +3631,7 @@
           </a:extLst>
         </p:spPr>
         <p:txBody>
-          <a:bodyPr lIns="45719" rIns="45719">
+          <a:bodyPr lIns="45718" tIns="45718" rIns="45718" bIns="45718">
             <a:spAutoFit/>
           </a:bodyPr>
           <a:lstStyle>
@@ -3747,7 +3664,7 @@
         <p:spPr>
           <a:xfrm>
             <a:off x="4997501" y="4588767"/>
-            <a:ext cx="2196999" cy="459741"/>
+            <a:ext cx="2197000" cy="459739"/>
           </a:xfrm>
           <a:prstGeom prst="rect">
             <a:avLst/>
@@ -3762,7 +3679,7 @@
           </a:extLst>
         </p:spPr>
         <p:txBody>
-          <a:bodyPr lIns="45719" rIns="45719">
+          <a:bodyPr lIns="45718" tIns="45718" rIns="45718" bIns="45718">
             <a:spAutoFit/>
           </a:bodyPr>
           <a:lstStyle>
@@ -3820,8 +3737,8 @@
         </p:nvSpPr>
         <p:spPr>
           <a:xfrm>
-            <a:off x="4896406" y="116557"/>
-            <a:ext cx="2257586" cy="749877"/>
+            <a:off x="4896406" y="116556"/>
+            <a:ext cx="2257587" cy="749878"/>
           </a:xfrm>
           <a:prstGeom prst="rect">
             <a:avLst/>
@@ -3834,7 +3751,7 @@
           </a:ln>
         </p:spPr>
         <p:txBody>
-          <a:bodyPr lIns="45719" rIns="45719" anchor="ctr"/>
+          <a:bodyPr lIns="45718" tIns="45718" rIns="45718" bIns="45718" anchor="ctr"/>
           <a:lstStyle/>
           <a:p>
             <a:pPr algn="ctr">
@@ -3860,7 +3777,7 @@
         <p:spPr>
           <a:xfrm flipH="1">
             <a:off x="2029452" y="837336"/>
-            <a:ext cx="2866955" cy="721452"/>
+            <a:ext cx="2866956" cy="721453"/>
           </a:xfrm>
           <a:prstGeom prst="line">
             <a:avLst/>
@@ -3874,7 +3791,7 @@
           </a:ln>
         </p:spPr>
         <p:txBody>
-          <a:bodyPr lIns="45719" rIns="45719"/>
+          <a:bodyPr lIns="45718" tIns="45718" rIns="45718" bIns="45718"/>
           <a:lstStyle/>
           <a:p>
             <a:pPr/>
@@ -3890,7 +3807,7 @@
         <p:spPr>
           <a:xfrm>
             <a:off x="7153991" y="827175"/>
-            <a:ext cx="2975743" cy="923651"/>
+            <a:ext cx="2975744" cy="923652"/>
           </a:xfrm>
           <a:prstGeom prst="line">
             <a:avLst/>
@@ -3904,7 +3821,7 @@
           </a:ln>
         </p:spPr>
         <p:txBody>
-          <a:bodyPr lIns="45719" rIns="45719"/>
+          <a:bodyPr lIns="45718" tIns="45718" rIns="45718" bIns="45718"/>
           <a:lstStyle/>
           <a:p>
             <a:pPr/>
@@ -3919,8 +3836,8 @@
         </p:nvSpPr>
         <p:spPr>
           <a:xfrm flipH="1">
-            <a:off x="3868034" y="866432"/>
-            <a:ext cx="1588567" cy="2316174"/>
+            <a:off x="3868034" y="866431"/>
+            <a:ext cx="1588568" cy="2316175"/>
           </a:xfrm>
           <a:prstGeom prst="line">
             <a:avLst/>
@@ -3934,7 +3851,7 @@
           </a:ln>
         </p:spPr>
         <p:txBody>
-          <a:bodyPr lIns="45719" rIns="45719"/>
+          <a:bodyPr lIns="45718" tIns="45718" rIns="45718" bIns="45718"/>
           <a:lstStyle/>
           <a:p>
             <a:pPr/>
@@ -3949,8 +3866,8 @@
         </p:nvSpPr>
         <p:spPr>
           <a:xfrm flipH="1">
-            <a:off x="6046075" y="856171"/>
-            <a:ext cx="19767" cy="3141147"/>
+            <a:off x="6046075" y="856170"/>
+            <a:ext cx="19768" cy="3141149"/>
           </a:xfrm>
           <a:prstGeom prst="line">
             <a:avLst/>
@@ -3964,7 +3881,7 @@
           </a:ln>
         </p:spPr>
         <p:txBody>
-          <a:bodyPr lIns="45719" rIns="45719"/>
+          <a:bodyPr lIns="45718" tIns="45718" rIns="45718" bIns="45718"/>
           <a:lstStyle/>
           <a:p>
             <a:pPr/>
@@ -3979,10 +3896,10 @@
         </p:nvGrpSpPr>
         <p:grpSpPr>
           <a:xfrm>
-            <a:off x="1165059" y="1547640"/>
-            <a:ext cx="1440749" cy="678516"/>
-            <a:chOff x="0" y="0"/>
-            <a:chExt cx="1440747" cy="678514"/>
+            <a:off x="1165057" y="1547639"/>
+            <a:ext cx="1440753" cy="678518"/>
+            <a:chOff x="-1" y="0"/>
+            <a:chExt cx="1440751" cy="678517"/>
           </a:xfrm>
         </p:grpSpPr>
         <p:sp>
@@ -3993,8 +3910,8 @@
           </p:nvSpPr>
           <p:spPr>
             <a:xfrm>
-              <a:off x="-1" y="-1"/>
-              <a:ext cx="1440749" cy="678516"/>
+              <a:off x="-2" y="-1"/>
+              <a:ext cx="1440752" cy="678518"/>
             </a:xfrm>
             <a:prstGeom prst="rect">
               <a:avLst/>
@@ -4009,7 +3926,7 @@
             <a:effectLst/>
           </p:spPr>
           <p:txBody>
-            <a:bodyPr wrap="square" lIns="45719" tIns="45719" rIns="45719" bIns="45719" numCol="1" anchor="ctr">
+            <a:bodyPr wrap="square" lIns="45718" tIns="45718" rIns="45718" bIns="45718" numCol="1" anchor="ctr">
               <a:noAutofit/>
             </a:bodyPr>
             <a:lstStyle/>
@@ -4036,8 +3953,8 @@
           </p:nvSpPr>
           <p:spPr>
             <a:xfrm>
-              <a:off x="-1" y="6832"/>
-              <a:ext cx="1440749" cy="664850"/>
+              <a:off x="-2" y="6832"/>
+              <a:ext cx="1440752" cy="664848"/>
             </a:xfrm>
             <a:prstGeom prst="rect">
               <a:avLst/>
@@ -4055,7 +3972,7 @@
             </a:extLst>
           </p:spPr>
           <p:txBody>
-            <a:bodyPr wrap="square" lIns="45719" tIns="45719" rIns="45719" bIns="45719" numCol="1" anchor="ctr">
+            <a:bodyPr wrap="square" lIns="45718" tIns="45718" rIns="45718" bIns="45718" numCol="1" anchor="ctr">
               <a:spAutoFit/>
             </a:bodyPr>
             <a:lstStyle>
@@ -4089,9 +4006,9 @@
         <p:grpSpPr>
           <a:xfrm>
             <a:off x="2850325" y="3170583"/>
-            <a:ext cx="2035419" cy="956951"/>
+            <a:ext cx="2035421" cy="956949"/>
             <a:chOff x="0" y="0"/>
-            <a:chExt cx="2035418" cy="956949"/>
+            <a:chExt cx="2035419" cy="956947"/>
           </a:xfrm>
         </p:grpSpPr>
         <p:sp>
@@ -4103,7 +4020,7 @@
           <p:spPr>
             <a:xfrm>
               <a:off x="0" y="12020"/>
-              <a:ext cx="2035419" cy="932909"/>
+              <a:ext cx="2035420" cy="932911"/>
             </a:xfrm>
             <a:prstGeom prst="rect">
               <a:avLst/>
@@ -4118,7 +4035,7 @@
             <a:effectLst/>
           </p:spPr>
           <p:txBody>
-            <a:bodyPr wrap="square" lIns="45719" tIns="45719" rIns="45719" bIns="45719" numCol="1" anchor="ctr">
+            <a:bodyPr wrap="square" lIns="45718" tIns="45718" rIns="45718" bIns="45718" numCol="1" anchor="ctr">
               <a:noAutofit/>
             </a:bodyPr>
             <a:lstStyle/>
@@ -4146,7 +4063,7 @@
           <p:spPr>
             <a:xfrm>
               <a:off x="0" y="0"/>
-              <a:ext cx="2035419" cy="956950"/>
+              <a:ext cx="2035420" cy="956948"/>
             </a:xfrm>
             <a:prstGeom prst="rect">
               <a:avLst/>
@@ -4164,7 +4081,7 @@
             </a:extLst>
           </p:spPr>
           <p:txBody>
-            <a:bodyPr wrap="square" lIns="45719" tIns="45719" rIns="45719" bIns="45719" numCol="1" anchor="ctr">
+            <a:bodyPr wrap="square" lIns="45718" tIns="45718" rIns="45718" bIns="45718" numCol="1" anchor="ctr">
               <a:spAutoFit/>
             </a:bodyPr>
             <a:lstStyle>
@@ -4197,10 +4114,10 @@
         </p:nvGrpSpPr>
         <p:grpSpPr>
           <a:xfrm>
-            <a:off x="5330280" y="3992586"/>
-            <a:ext cx="1446116" cy="749876"/>
+            <a:off x="5330279" y="3992585"/>
+            <a:ext cx="1446118" cy="749878"/>
             <a:chOff x="0" y="0"/>
-            <a:chExt cx="1446115" cy="749875"/>
+            <a:chExt cx="1446117" cy="749876"/>
           </a:xfrm>
         </p:grpSpPr>
         <p:sp>
@@ -4212,7 +4129,7 @@
           <p:spPr>
             <a:xfrm>
               <a:off x="-1" y="-1"/>
-              <a:ext cx="1446117" cy="749877"/>
+              <a:ext cx="1446118" cy="749878"/>
             </a:xfrm>
             <a:prstGeom prst="rect">
               <a:avLst/>
@@ -4227,7 +4144,7 @@
             <a:effectLst/>
           </p:spPr>
           <p:txBody>
-            <a:bodyPr wrap="square" lIns="45719" tIns="45719" rIns="45719" bIns="45719" numCol="1" anchor="ctr">
+            <a:bodyPr wrap="square" lIns="45718" tIns="45718" rIns="45718" bIns="45718" numCol="1" anchor="ctr">
               <a:noAutofit/>
             </a:bodyPr>
             <a:lstStyle/>
@@ -4255,7 +4172,7 @@
           <p:spPr>
             <a:xfrm>
               <a:off x="-1" y="42512"/>
-              <a:ext cx="1446117" cy="664851"/>
+              <a:ext cx="1446118" cy="664849"/>
             </a:xfrm>
             <a:prstGeom prst="rect">
               <a:avLst/>
@@ -4273,7 +4190,7 @@
             </a:extLst>
           </p:spPr>
           <p:txBody>
-            <a:bodyPr wrap="square" lIns="45719" tIns="45719" rIns="45719" bIns="45719" numCol="1" anchor="ctr">
+            <a:bodyPr wrap="square" lIns="45718" tIns="45718" rIns="45718" bIns="45718" numCol="1" anchor="ctr">
               <a:spAutoFit/>
             </a:bodyPr>
             <a:lstStyle>
@@ -4307,9 +4224,9 @@
         <p:grpSpPr>
           <a:xfrm>
             <a:off x="9127527" y="1748474"/>
-            <a:ext cx="1899414" cy="865800"/>
+            <a:ext cx="1899415" cy="865801"/>
             <a:chOff x="0" y="0"/>
-            <a:chExt cx="1899412" cy="865798"/>
+            <a:chExt cx="1899414" cy="865800"/>
           </a:xfrm>
         </p:grpSpPr>
         <p:sp>
@@ -4320,8 +4237,8 @@
           </p:nvSpPr>
           <p:spPr>
             <a:xfrm>
-              <a:off x="0" y="0"/>
-              <a:ext cx="1899413" cy="865799"/>
+              <a:off x="-1" y="-1"/>
+              <a:ext cx="1899416" cy="865802"/>
             </a:xfrm>
             <a:prstGeom prst="rect">
               <a:avLst/>
@@ -4336,7 +4253,7 @@
             <a:effectLst/>
           </p:spPr>
           <p:txBody>
-            <a:bodyPr wrap="square" lIns="45719" tIns="45719" rIns="45719" bIns="45719" numCol="1" anchor="ctr">
+            <a:bodyPr wrap="square" lIns="45718" tIns="45718" rIns="45718" bIns="45718" numCol="1" anchor="ctr">
               <a:noAutofit/>
             </a:bodyPr>
             <a:lstStyle/>
@@ -4363,8 +4280,8 @@
           </p:nvSpPr>
           <p:spPr>
             <a:xfrm>
-              <a:off x="0" y="100474"/>
-              <a:ext cx="1899413" cy="664851"/>
+              <a:off x="-1" y="100474"/>
+              <a:ext cx="1899416" cy="664849"/>
             </a:xfrm>
             <a:prstGeom prst="rect">
               <a:avLst/>
@@ -4382,7 +4299,7 @@
             </a:extLst>
           </p:spPr>
           <p:txBody>
-            <a:bodyPr wrap="square" lIns="45719" tIns="45719" rIns="45719" bIns="45719" numCol="1" anchor="ctr">
+            <a:bodyPr wrap="square" lIns="45718" tIns="45718" rIns="45718" bIns="45718" numCol="1" anchor="ctr">
               <a:spAutoFit/>
             </a:bodyPr>
             <a:lstStyle>
@@ -4415,8 +4332,8 @@
         </p:nvSpPr>
         <p:spPr>
           <a:xfrm>
-            <a:off x="4952686" y="75050"/>
-            <a:ext cx="2201305" cy="482734"/>
+            <a:off x="4952686" y="75049"/>
+            <a:ext cx="2201306" cy="482733"/>
           </a:xfrm>
           <a:prstGeom prst="rect">
             <a:avLst/>
@@ -4431,7 +4348,7 @@
           </a:extLst>
         </p:spPr>
         <p:txBody>
-          <a:bodyPr lIns="45719" rIns="45719">
+          <a:bodyPr lIns="45718" tIns="45718" rIns="45718" bIns="45718">
             <a:spAutoFit/>
           </a:bodyPr>
           <a:lstStyle>
@@ -4467,7 +4384,7 @@
         <p:spPr>
           <a:xfrm>
             <a:off x="1034244" y="2289621"/>
-            <a:ext cx="1816082" cy="1678941"/>
+            <a:ext cx="1816083" cy="1678939"/>
           </a:xfrm>
           <a:prstGeom prst="rect">
             <a:avLst/>
@@ -4482,7 +4399,7 @@
           </a:extLst>
         </p:spPr>
         <p:txBody>
-          <a:bodyPr lIns="45719" rIns="45719">
+          <a:bodyPr lIns="45718" tIns="45718" rIns="45718" bIns="45718">
             <a:spAutoFit/>
           </a:bodyPr>
           <a:lstStyle>
@@ -4514,8 +4431,8 @@
         </p:nvSpPr>
         <p:spPr>
           <a:xfrm>
-            <a:off x="2822826" y="4262001"/>
-            <a:ext cx="2221646" cy="1371152"/>
+            <a:off x="2822825" y="4262001"/>
+            <a:ext cx="2221647" cy="1371150"/>
           </a:xfrm>
           <a:prstGeom prst="rect">
             <a:avLst/>
@@ -4530,7 +4447,7 @@
           </a:extLst>
         </p:spPr>
         <p:txBody>
-          <a:bodyPr lIns="45719" rIns="45719">
+          <a:bodyPr lIns="45718" tIns="45718" rIns="45718" bIns="45718">
             <a:spAutoFit/>
           </a:bodyPr>
           <a:lstStyle/>
@@ -4540,31 +4457,25 @@
                 <a:solidFill>
                   <a:srgbClr val="77B9B0"/>
                 </a:solidFill>
+                <a:latin typeface="微软雅黑"/>
+                <a:ea typeface="微软雅黑"/>
+                <a:cs typeface="微软雅黑"/>
+                <a:sym typeface="微软雅黑"/>
+              </a:defRPr>
+            </a:pPr>
+            <a:r>
+              <a:t>场景以太阳作为点光源，使用</a:t>
+            </a:r>
+            <a:r>
+              <a:rPr>
                 <a:latin typeface="Times New Roman"/>
                 <a:ea typeface="Times New Roman"/>
                 <a:cs typeface="Times New Roman"/>
                 <a:sym typeface="Times New Roman"/>
-              </a:defRPr>
-            </a:pPr>
-            <a:r>
-              <a:rPr>
-                <a:latin typeface="微软雅黑"/>
-                <a:ea typeface="微软雅黑"/>
-                <a:cs typeface="微软雅黑"/>
-                <a:sym typeface="微软雅黑"/>
               </a:rPr>
-              <a:t>场景以太阳作为点光源，使用</a:t>
-            </a:r>
-            <a:r>
               <a:t>Phong</a:t>
             </a:r>
             <a:r>
-              <a:rPr>
-                <a:latin typeface="微软雅黑"/>
-                <a:ea typeface="微软雅黑"/>
-                <a:cs typeface="微软雅黑"/>
-                <a:sym typeface="微软雅黑"/>
-              </a:rPr>
               <a:t>光照模型，尽可能实现现实中的光照效果。</a:t>
             </a:r>
           </a:p>
@@ -4579,7 +4490,7 @@
         <p:spPr>
           <a:xfrm>
             <a:off x="5184145" y="4837462"/>
-            <a:ext cx="1823710" cy="1678941"/>
+            <a:ext cx="1823711" cy="1678939"/>
           </a:xfrm>
           <a:prstGeom prst="rect">
             <a:avLst/>
@@ -4594,7 +4505,7 @@
           </a:extLst>
         </p:spPr>
         <p:txBody>
-          <a:bodyPr lIns="45719" rIns="45719">
+          <a:bodyPr lIns="45718" tIns="45718" rIns="45718" bIns="45718">
             <a:spAutoFit/>
           </a:bodyPr>
           <a:lstStyle>
@@ -4611,21 +4522,8 @@
             </a:lvl1pPr>
           </a:lstStyle>
           <a:p>
-            <a:pPr>
-              <a:defRPr>
-                <a:latin typeface="Times New Roman"/>
-                <a:ea typeface="Times New Roman"/>
-                <a:cs typeface="Times New Roman"/>
-                <a:sym typeface="Times New Roman"/>
-              </a:defRPr>
-            </a:pPr>
+            <a:pPr/>
             <a:r>
-              <a:rPr>
-                <a:latin typeface="微软雅黑"/>
-                <a:ea typeface="微软雅黑"/>
-                <a:cs typeface="微软雅黑"/>
-                <a:sym typeface="微软雅黑"/>
-              </a:rPr>
               <a:t>所有的物体模型都会使用纹理映射，已达到更加美观的视觉效果。</a:t>
             </a:r>
           </a:p>
@@ -4639,8 +4537,8 @@
         </p:nvSpPr>
         <p:spPr>
           <a:xfrm>
-            <a:off x="9167059" y="2687572"/>
-            <a:ext cx="1859882" cy="726441"/>
+            <a:off x="9167059" y="2687571"/>
+            <a:ext cx="1859883" cy="726439"/>
           </a:xfrm>
           <a:prstGeom prst="rect">
             <a:avLst/>
@@ -4655,7 +4553,7 @@
           </a:extLst>
         </p:spPr>
         <p:txBody>
-          <a:bodyPr lIns="45719" rIns="45719">
+          <a:bodyPr lIns="45718" tIns="45718" rIns="45718" bIns="45718">
             <a:spAutoFit/>
           </a:bodyPr>
           <a:lstStyle>
@@ -4672,21 +4570,8 @@
             </a:lvl1pPr>
           </a:lstStyle>
           <a:p>
-            <a:pPr>
-              <a:defRPr>
-                <a:latin typeface="Times New Roman"/>
-                <a:ea typeface="Times New Roman"/>
-                <a:cs typeface="Times New Roman"/>
-                <a:sym typeface="Times New Roman"/>
-              </a:defRPr>
-            </a:pPr>
+            <a:pPr/>
             <a:r>
-              <a:rPr>
-                <a:latin typeface="微软雅黑"/>
-                <a:ea typeface="微软雅黑"/>
-                <a:cs typeface="微软雅黑"/>
-                <a:sym typeface="微软雅黑"/>
-              </a:rPr>
               <a:t>加载现有模型已达到更好的效果</a:t>
             </a:r>
           </a:p>
@@ -4700,10 +4585,10 @@
         </p:nvGrpSpPr>
         <p:grpSpPr>
           <a:xfrm>
-            <a:off x="7288663" y="2719762"/>
-            <a:ext cx="1353199" cy="770189"/>
-            <a:chOff x="0" y="0"/>
-            <a:chExt cx="1353198" cy="770188"/>
+            <a:off x="7288661" y="2719761"/>
+            <a:ext cx="1353202" cy="770192"/>
+            <a:chOff x="-1" y="-1"/>
+            <a:chExt cx="1353201" cy="770191"/>
           </a:xfrm>
         </p:grpSpPr>
         <p:sp>
@@ -4714,8 +4599,8 @@
           </p:nvSpPr>
           <p:spPr>
             <a:xfrm>
-              <a:off x="-1" y="-1"/>
-              <a:ext cx="1353200" cy="770190"/>
+              <a:off x="-2" y="-2"/>
+              <a:ext cx="1353202" cy="770192"/>
             </a:xfrm>
             <a:prstGeom prst="rect">
               <a:avLst/>
@@ -4730,7 +4615,7 @@
             <a:effectLst/>
           </p:spPr>
           <p:txBody>
-            <a:bodyPr wrap="square" lIns="45719" tIns="45719" rIns="45719" bIns="45719" numCol="1" anchor="ctr">
+            <a:bodyPr wrap="square" lIns="45718" tIns="45718" rIns="45718" bIns="45718" numCol="1" anchor="ctr">
               <a:noAutofit/>
             </a:bodyPr>
             <a:lstStyle/>
@@ -4757,8 +4642,8 @@
           </p:nvSpPr>
           <p:spPr>
             <a:xfrm>
-              <a:off x="-1" y="52669"/>
-              <a:ext cx="1353200" cy="664850"/>
+              <a:off x="-2" y="52669"/>
+              <a:ext cx="1353202" cy="664848"/>
             </a:xfrm>
             <a:prstGeom prst="rect">
               <a:avLst/>
@@ -4776,7 +4661,7 @@
             </a:extLst>
           </p:spPr>
           <p:txBody>
-            <a:bodyPr wrap="square" lIns="45719" tIns="45719" rIns="45719" bIns="45719" numCol="1" anchor="ctr">
+            <a:bodyPr wrap="square" lIns="45718" tIns="45718" rIns="45718" bIns="45718" numCol="1" anchor="ctr">
               <a:spAutoFit/>
             </a:bodyPr>
             <a:lstStyle>
@@ -4809,8 +4694,8 @@
         </p:nvSpPr>
         <p:spPr>
           <a:xfrm>
-            <a:off x="6729548" y="856171"/>
-            <a:ext cx="1181343" cy="1845315"/>
+            <a:off x="6729548" y="856170"/>
+            <a:ext cx="1181344" cy="1845316"/>
           </a:xfrm>
           <a:prstGeom prst="line">
             <a:avLst/>
@@ -4824,7 +4709,7 @@
           </a:ln>
         </p:spPr>
         <p:txBody>
-          <a:bodyPr lIns="45719" rIns="45719"/>
+          <a:bodyPr lIns="45718" tIns="45718" rIns="45718" bIns="45718"/>
           <a:lstStyle/>
           <a:p>
             <a:pPr/>
@@ -4840,7 +4725,7 @@
         <p:spPr>
           <a:xfrm>
             <a:off x="7215512" y="3670420"/>
-            <a:ext cx="1621340" cy="726441"/>
+            <a:ext cx="1621341" cy="726439"/>
           </a:xfrm>
           <a:prstGeom prst="rect">
             <a:avLst/>
@@ -4855,7 +4740,7 @@
           </a:extLst>
         </p:spPr>
         <p:txBody>
-          <a:bodyPr lIns="45719" rIns="45719">
+          <a:bodyPr lIns="45718" tIns="45718" rIns="45718" bIns="45718">
             <a:spAutoFit/>
           </a:bodyPr>
           <a:lstStyle>
@@ -4872,21 +4757,8 @@
             </a:lvl1pPr>
           </a:lstStyle>
           <a:p>
-            <a:pPr>
-              <a:defRPr>
-                <a:latin typeface="Times New Roman"/>
-                <a:ea typeface="Times New Roman"/>
-                <a:cs typeface="Times New Roman"/>
-                <a:sym typeface="Times New Roman"/>
-              </a:defRPr>
-            </a:pPr>
+            <a:pPr/>
             <a:r>
-              <a:rPr>
-                <a:latin typeface="微软雅黑"/>
-                <a:ea typeface="微软雅黑"/>
-                <a:cs typeface="微软雅黑"/>
-                <a:sym typeface="微软雅黑"/>
-              </a:rPr>
               <a:t>实现太阳光照下的阴影效果</a:t>
             </a:r>
           </a:p>
@@ -4927,7 +4799,7 @@
         <p:spPr>
           <a:xfrm>
             <a:off x="5231129" y="3873158"/>
-            <a:ext cx="1729741" cy="662941"/>
+            <a:ext cx="1729739" cy="662939"/>
           </a:xfrm>
           <a:prstGeom prst="rect">
             <a:avLst/>
@@ -4942,7 +4814,7 @@
           </a:extLst>
         </p:spPr>
         <p:txBody>
-          <a:bodyPr wrap="none" lIns="45719" rIns="45719">
+          <a:bodyPr wrap="none" lIns="45718" tIns="45718" rIns="45718" bIns="45718">
             <a:spAutoFit/>
           </a:bodyPr>
           <a:lstStyle>
@@ -4975,7 +4847,7 @@
         <p:spPr>
           <a:xfrm>
             <a:off x="4997501" y="4507422"/>
-            <a:ext cx="2196999" cy="459741"/>
+            <a:ext cx="2197000" cy="459739"/>
           </a:xfrm>
           <a:prstGeom prst="rect">
             <a:avLst/>
@@ -4990,7 +4862,7 @@
           </a:extLst>
         </p:spPr>
         <p:txBody>
-          <a:bodyPr lIns="45719" rIns="45719">
+          <a:bodyPr lIns="45718" tIns="45718" rIns="45718" bIns="45718">
             <a:spAutoFit/>
           </a:bodyPr>
           <a:lstStyle>
@@ -5022,8 +4894,8 @@
         </p:nvSpPr>
         <p:spPr>
           <a:xfrm>
-            <a:off x="4997501" y="1303112"/>
-            <a:ext cx="2196999" cy="2225041"/>
+            <a:off x="4997501" y="1303111"/>
+            <a:ext cx="2197000" cy="2225039"/>
           </a:xfrm>
           <a:prstGeom prst="rect">
             <a:avLst/>
@@ -5038,7 +4910,7 @@
           </a:extLst>
         </p:spPr>
         <p:txBody>
-          <a:bodyPr lIns="45719" rIns="45719">
+          <a:bodyPr lIns="45718" tIns="45718" rIns="45718" bIns="45718">
             <a:spAutoFit/>
           </a:bodyPr>
           <a:lstStyle>
@@ -5107,7 +4979,7 @@
         <p:spPr>
           <a:xfrm>
             <a:off x="926095" y="2095868"/>
-            <a:ext cx="1545340" cy="2721871"/>
+            <a:ext cx="1545340" cy="2721872"/>
           </a:xfrm>
           <a:prstGeom prst="rect">
             <a:avLst/>
@@ -5125,8 +4997,8 @@
         </p:nvSpPr>
         <p:spPr>
           <a:xfrm>
-            <a:off x="666735" y="291487"/>
-            <a:ext cx="2162190" cy="849708"/>
+            <a:off x="666735" y="291486"/>
+            <a:ext cx="2162190" cy="849706"/>
           </a:xfrm>
           <a:prstGeom prst="rect">
             <a:avLst/>
@@ -5141,7 +5013,7 @@
           </a:extLst>
         </p:spPr>
         <p:txBody>
-          <a:bodyPr lIns="45719" rIns="45719">
+          <a:bodyPr lIns="45718" tIns="45718" rIns="45718" bIns="45718">
             <a:spAutoFit/>
           </a:bodyPr>
           <a:lstStyle>
@@ -5177,7 +5049,7 @@
         <p:spPr>
           <a:xfrm>
             <a:off x="5999241" y="770951"/>
-            <a:ext cx="5325984" cy="370841"/>
+            <a:ext cx="5325984" cy="370839"/>
           </a:xfrm>
           <a:prstGeom prst="rect">
             <a:avLst/>
@@ -5195,7 +5067,7 @@
           </a:extLst>
         </p:spPr>
         <p:txBody>
-          <a:bodyPr lIns="45719" rIns="45719">
+          <a:bodyPr lIns="45718" tIns="45718" rIns="45718" bIns="45718">
             <a:spAutoFit/>
           </a:bodyPr>
           <a:lstStyle>
@@ -5204,29 +5076,16 @@
                 <a:solidFill>
                   <a:srgbClr val="384E5E"/>
                 </a:solidFill>
-                <a:latin typeface="+mj-lt"/>
-                <a:ea typeface="+mj-ea"/>
-                <a:cs typeface="+mj-cs"/>
+                <a:latin typeface="+mn-lt"/>
+                <a:ea typeface="+mn-ea"/>
+                <a:cs typeface="+mn-cs"/>
                 <a:sym typeface="Helvetica"/>
               </a:defRPr>
             </a:lvl1pPr>
           </a:lstStyle>
           <a:p>
-            <a:pPr>
-              <a:defRPr>
-                <a:latin typeface="Times New Roman"/>
-                <a:ea typeface="Times New Roman"/>
-                <a:cs typeface="Times New Roman"/>
-                <a:sym typeface="Times New Roman"/>
-              </a:defRPr>
-            </a:pPr>
+            <a:pPr/>
             <a:r>
-              <a:rPr>
-                <a:latin typeface="+mj-lt"/>
-                <a:ea typeface="+mj-ea"/>
-                <a:cs typeface="+mj-cs"/>
-                <a:sym typeface="Helvetica"/>
-              </a:rPr>
               <a:t>整个模型置于天空盒中，实现岛屿上方的天空效果</a:t>
             </a:r>
           </a:p>
@@ -5241,7 +5100,7 @@
         <p:spPr>
           <a:xfrm>
             <a:off x="5999238" y="2006131"/>
-            <a:ext cx="5325984" cy="370841"/>
+            <a:ext cx="5325984" cy="370839"/>
           </a:xfrm>
           <a:prstGeom prst="rect">
             <a:avLst/>
@@ -5259,7 +5118,7 @@
           </a:extLst>
         </p:spPr>
         <p:txBody>
-          <a:bodyPr lIns="45719" rIns="45719">
+          <a:bodyPr lIns="45718" tIns="45718" rIns="45718" bIns="45718">
             <a:spAutoFit/>
           </a:bodyPr>
           <a:lstStyle>
@@ -5276,21 +5135,8 @@
             </a:lvl1pPr>
           </a:lstStyle>
           <a:p>
-            <a:pPr>
-              <a:defRPr>
-                <a:latin typeface="Times New Roman"/>
-                <a:ea typeface="Times New Roman"/>
-                <a:cs typeface="Times New Roman"/>
-                <a:sym typeface="Times New Roman"/>
-              </a:defRPr>
-            </a:pPr>
+            <a:pPr/>
             <a:r>
-              <a:rPr>
-                <a:latin typeface="微软雅黑"/>
-                <a:ea typeface="微软雅黑"/>
-                <a:cs typeface="微软雅黑"/>
-                <a:sym typeface="微软雅黑"/>
-              </a:rPr>
               <a:t>文本展示，实现场景中的路标</a:t>
             </a:r>
           </a:p>
@@ -5305,7 +5151,7 @@
         <p:spPr>
           <a:xfrm>
             <a:off x="5999238" y="3039828"/>
-            <a:ext cx="5325984" cy="650241"/>
+            <a:ext cx="5325984" cy="650239"/>
           </a:xfrm>
           <a:prstGeom prst="rect">
             <a:avLst/>
@@ -5323,7 +5169,7 @@
           </a:extLst>
         </p:spPr>
         <p:txBody>
-          <a:bodyPr lIns="45719" rIns="45719">
+          <a:bodyPr lIns="45718" tIns="45718" rIns="45718" bIns="45718">
             <a:spAutoFit/>
           </a:bodyPr>
           <a:lstStyle>
@@ -5340,21 +5186,8 @@
             </a:lvl1pPr>
           </a:lstStyle>
           <a:p>
-            <a:pPr>
-              <a:defRPr>
-                <a:latin typeface="Times New Roman"/>
-                <a:ea typeface="Times New Roman"/>
-                <a:cs typeface="Times New Roman"/>
-                <a:sym typeface="Times New Roman"/>
-              </a:defRPr>
-            </a:pPr>
+            <a:pPr/>
             <a:r>
-              <a:rPr>
-                <a:latin typeface="微软雅黑"/>
-                <a:ea typeface="微软雅黑"/>
-                <a:cs typeface="微软雅黑"/>
-                <a:sym typeface="微软雅黑"/>
-              </a:rPr>
               <a:t>骨骼动画，实现玩家的行走，并且想尽可能实现一些动物的穿跃</a:t>
             </a:r>
           </a:p>
@@ -5369,7 +5202,7 @@
         <p:spPr>
           <a:xfrm>
             <a:off x="3881778" y="615326"/>
-            <a:ext cx="1716417" cy="421393"/>
+            <a:ext cx="1716417" cy="421390"/>
           </a:xfrm>
           <a:prstGeom prst="rect">
             <a:avLst/>
@@ -5384,7 +5217,7 @@
           </a:extLst>
         </p:spPr>
         <p:txBody>
-          <a:bodyPr lIns="45719" rIns="45719">
+          <a:bodyPr lIns="45718" tIns="45718" rIns="45718" bIns="45718">
             <a:spAutoFit/>
           </a:bodyPr>
           <a:lstStyle>
@@ -5419,8 +5252,8 @@
         </p:nvSpPr>
         <p:spPr>
           <a:xfrm>
-            <a:off x="3817030" y="1840285"/>
-            <a:ext cx="2248861" cy="421393"/>
+            <a:off x="3817030" y="1840284"/>
+            <a:ext cx="2248862" cy="421391"/>
           </a:xfrm>
           <a:prstGeom prst="rect">
             <a:avLst/>
@@ -5435,7 +5268,7 @@
           </a:extLst>
         </p:spPr>
         <p:txBody>
-          <a:bodyPr lIns="45719" rIns="45719">
+          <a:bodyPr lIns="45718" tIns="45718" rIns="45718" bIns="45718">
             <a:spAutoFit/>
           </a:bodyPr>
           <a:lstStyle>
@@ -5471,7 +5304,7 @@
         <p:spPr>
           <a:xfrm>
             <a:off x="4074971" y="3016174"/>
-            <a:ext cx="1715885" cy="698302"/>
+            <a:ext cx="1715886" cy="698300"/>
           </a:xfrm>
           <a:prstGeom prst="rect">
             <a:avLst/>
@@ -5486,7 +5319,7 @@
           </a:extLst>
         </p:spPr>
         <p:txBody>
-          <a:bodyPr lIns="45719" rIns="45719">
+          <a:bodyPr lIns="45718" tIns="45718" rIns="45718" bIns="45718">
             <a:spAutoFit/>
           </a:bodyPr>
           <a:lstStyle>
@@ -5521,10 +5354,10 @@
         </p:nvGrpSpPr>
         <p:grpSpPr>
           <a:xfrm>
-            <a:off x="3348261" y="652102"/>
-            <a:ext cx="658763" cy="658763"/>
+            <a:off x="3348260" y="652101"/>
+            <a:ext cx="658767" cy="658766"/>
             <a:chOff x="0" y="0"/>
-            <a:chExt cx="658762" cy="658762"/>
+            <a:chExt cx="658765" cy="658765"/>
           </a:xfrm>
         </p:grpSpPr>
         <p:sp>
@@ -5536,7 +5369,7 @@
           <p:spPr>
             <a:xfrm>
               <a:off x="-1" y="-1"/>
-              <a:ext cx="658764" cy="658764"/>
+              <a:ext cx="658766" cy="658766"/>
             </a:xfrm>
             <a:prstGeom prst="ellipse">
               <a:avLst/>
@@ -5551,7 +5384,7 @@
             <a:effectLst/>
           </p:spPr>
           <p:txBody>
-            <a:bodyPr wrap="square" lIns="45719" tIns="45719" rIns="45719" bIns="45719" numCol="1" anchor="ctr">
+            <a:bodyPr wrap="square" lIns="45718" tIns="45718" rIns="45718" bIns="45718" numCol="1" anchor="ctr">
               <a:noAutofit/>
             </a:bodyPr>
             <a:lstStyle/>
@@ -5575,7 +5408,7 @@
           <p:spPr>
             <a:xfrm>
               <a:off x="48768" y="61793"/>
-              <a:ext cx="476806" cy="586741"/>
+              <a:ext cx="476804" cy="586739"/>
             </a:xfrm>
             <a:prstGeom prst="rect">
               <a:avLst/>
@@ -5593,7 +5426,7 @@
             </a:extLst>
           </p:spPr>
           <p:txBody>
-            <a:bodyPr wrap="none" lIns="45719" tIns="45719" rIns="45719" bIns="45719" numCol="1" anchor="t">
+            <a:bodyPr wrap="none" lIns="45718" tIns="45718" rIns="45718" bIns="45718" numCol="1" anchor="t">
               <a:spAutoFit/>
             </a:bodyPr>
             <a:lstStyle>
@@ -5626,10 +5459,10 @@
         </p:nvGrpSpPr>
         <p:grpSpPr>
           <a:xfrm>
-            <a:off x="3397029" y="1846028"/>
-            <a:ext cx="658763" cy="658763"/>
+            <a:off x="3397028" y="1846027"/>
+            <a:ext cx="658767" cy="658766"/>
             <a:chOff x="0" y="0"/>
-            <a:chExt cx="658762" cy="658762"/>
+            <a:chExt cx="658765" cy="658765"/>
           </a:xfrm>
         </p:grpSpPr>
         <p:sp>
@@ -5641,7 +5474,7 @@
           <p:spPr>
             <a:xfrm>
               <a:off x="-1" y="-1"/>
-              <a:ext cx="658764" cy="658764"/>
+              <a:ext cx="658766" cy="658766"/>
             </a:xfrm>
             <a:prstGeom prst="ellipse">
               <a:avLst/>
@@ -5656,7 +5489,7 @@
             <a:effectLst/>
           </p:spPr>
           <p:txBody>
-            <a:bodyPr wrap="square" lIns="45719" tIns="45719" rIns="45719" bIns="45719" numCol="1" anchor="ctr">
+            <a:bodyPr wrap="square" lIns="45718" tIns="45718" rIns="45718" bIns="45718" numCol="1" anchor="ctr">
               <a:noAutofit/>
             </a:bodyPr>
             <a:lstStyle/>
@@ -5680,7 +5513,7 @@
           <p:spPr>
             <a:xfrm>
               <a:off x="24383" y="61793"/>
-              <a:ext cx="526020" cy="586741"/>
+              <a:ext cx="526017" cy="586739"/>
             </a:xfrm>
             <a:prstGeom prst="rect">
               <a:avLst/>
@@ -5698,7 +5531,7 @@
             </a:extLst>
           </p:spPr>
           <p:txBody>
-            <a:bodyPr wrap="none" lIns="45719" tIns="45719" rIns="45719" bIns="45719" numCol="1" anchor="t">
+            <a:bodyPr wrap="none" lIns="45718" tIns="45718" rIns="45718" bIns="45718" numCol="1" anchor="t">
               <a:spAutoFit/>
             </a:bodyPr>
             <a:lstStyle>
@@ -5731,10 +5564,10 @@
         </p:nvGrpSpPr>
         <p:grpSpPr>
           <a:xfrm>
-            <a:off x="3421412" y="2950580"/>
-            <a:ext cx="658763" cy="675988"/>
+            <a:off x="3421412" y="2950579"/>
+            <a:ext cx="658765" cy="675986"/>
             <a:chOff x="0" y="0"/>
-            <a:chExt cx="658762" cy="675987"/>
+            <a:chExt cx="658764" cy="675984"/>
           </a:xfrm>
         </p:grpSpPr>
         <p:sp>
@@ -5745,8 +5578,8 @@
           </p:nvSpPr>
           <p:spPr>
             <a:xfrm>
-              <a:off x="0" y="0"/>
-              <a:ext cx="658763" cy="658763"/>
+              <a:off x="-1" y="-1"/>
+              <a:ext cx="658765" cy="658765"/>
             </a:xfrm>
             <a:prstGeom prst="ellipse">
               <a:avLst/>
@@ -5761,7 +5594,7 @@
             <a:effectLst/>
           </p:spPr>
           <p:txBody>
-            <a:bodyPr wrap="square" lIns="45719" tIns="45719" rIns="45719" bIns="45719" numCol="1" anchor="ctr">
+            <a:bodyPr wrap="square" lIns="45718" tIns="45718" rIns="45718" bIns="45718" numCol="1" anchor="ctr">
               <a:noAutofit/>
             </a:bodyPr>
             <a:lstStyle/>
@@ -5785,7 +5618,7 @@
           <p:spPr>
             <a:xfrm>
               <a:off x="24384" y="89246"/>
-              <a:ext cx="537528" cy="586741"/>
+              <a:ext cx="537526" cy="586739"/>
             </a:xfrm>
             <a:prstGeom prst="rect">
               <a:avLst/>
@@ -5803,7 +5636,7 @@
             </a:extLst>
           </p:spPr>
           <p:txBody>
-            <a:bodyPr wrap="none" lIns="45719" tIns="45719" rIns="45719" bIns="45719" numCol="1" anchor="t">
+            <a:bodyPr wrap="none" lIns="45718" tIns="45718" rIns="45718" bIns="45718" numCol="1" anchor="t">
               <a:spAutoFit/>
             </a:bodyPr>
             <a:lstStyle>
@@ -5836,10 +5669,10 @@
         </p:nvGrpSpPr>
         <p:grpSpPr>
           <a:xfrm>
-            <a:off x="3404623" y="4141358"/>
-            <a:ext cx="658763" cy="658763"/>
+            <a:off x="3404622" y="4141357"/>
+            <a:ext cx="658767" cy="658767"/>
             <a:chOff x="0" y="0"/>
-            <a:chExt cx="658762" cy="658762"/>
+            <a:chExt cx="658765" cy="658765"/>
           </a:xfrm>
         </p:grpSpPr>
         <p:sp>
@@ -5851,7 +5684,7 @@
           <p:spPr>
             <a:xfrm>
               <a:off x="-1" y="-1"/>
-              <a:ext cx="658764" cy="658764"/>
+              <a:ext cx="658766" cy="658766"/>
             </a:xfrm>
             <a:prstGeom prst="ellipse">
               <a:avLst/>
@@ -5866,7 +5699,7 @@
             <a:effectLst/>
           </p:spPr>
           <p:txBody>
-            <a:bodyPr wrap="square" lIns="45719" tIns="45719" rIns="45719" bIns="45719" numCol="1" anchor="ctr">
+            <a:bodyPr wrap="square" lIns="45718" tIns="45718" rIns="45718" bIns="45718" numCol="1" anchor="ctr">
               <a:noAutofit/>
             </a:bodyPr>
             <a:lstStyle/>
@@ -5890,7 +5723,7 @@
           <p:spPr>
             <a:xfrm>
               <a:off x="48767" y="61793"/>
-              <a:ext cx="525027" cy="586741"/>
+              <a:ext cx="525025" cy="586739"/>
             </a:xfrm>
             <a:prstGeom prst="rect">
               <a:avLst/>
@@ -5908,7 +5741,7 @@
             </a:extLst>
           </p:spPr>
           <p:txBody>
-            <a:bodyPr wrap="none" lIns="45719" tIns="45719" rIns="45719" bIns="45719" numCol="1" anchor="t">
+            <a:bodyPr wrap="none" lIns="45718" tIns="45718" rIns="45718" bIns="45718" numCol="1" anchor="t">
               <a:spAutoFit/>
             </a:bodyPr>
             <a:lstStyle>
@@ -5941,10 +5774,10 @@
         </p:nvGrpSpPr>
         <p:grpSpPr>
           <a:xfrm>
-            <a:off x="3397029" y="5316873"/>
-            <a:ext cx="658763" cy="658763"/>
+            <a:off x="3397028" y="5316872"/>
+            <a:ext cx="658767" cy="658767"/>
             <a:chOff x="0" y="0"/>
-            <a:chExt cx="658762" cy="658762"/>
+            <a:chExt cx="658765" cy="658765"/>
           </a:xfrm>
         </p:grpSpPr>
         <p:sp>
@@ -5956,7 +5789,7 @@
           <p:spPr>
             <a:xfrm>
               <a:off x="-1" y="-1"/>
-              <a:ext cx="658764" cy="658764"/>
+              <a:ext cx="658766" cy="658766"/>
             </a:xfrm>
             <a:prstGeom prst="ellipse">
               <a:avLst/>
@@ -5971,7 +5804,7 @@
             <a:effectLst/>
           </p:spPr>
           <p:txBody>
-            <a:bodyPr wrap="square" lIns="45719" tIns="45719" rIns="45719" bIns="45719" numCol="1" anchor="ctr">
+            <a:bodyPr wrap="square" lIns="45718" tIns="45718" rIns="45718" bIns="45718" numCol="1" anchor="ctr">
               <a:noAutofit/>
             </a:bodyPr>
             <a:lstStyle/>
@@ -5995,7 +5828,7 @@
           <p:spPr>
             <a:xfrm>
               <a:off x="24383" y="61793"/>
-              <a:ext cx="540109" cy="586741"/>
+              <a:ext cx="540106" cy="586739"/>
             </a:xfrm>
             <a:prstGeom prst="rect">
               <a:avLst/>
@@ -6013,7 +5846,7 @@
             </a:extLst>
           </p:spPr>
           <p:txBody>
-            <a:bodyPr wrap="none" lIns="45719" tIns="45719" rIns="45719" bIns="45719" numCol="1" anchor="t">
+            <a:bodyPr wrap="none" lIns="45718" tIns="45718" rIns="45718" bIns="45718" numCol="1" anchor="t">
               <a:spAutoFit/>
             </a:bodyPr>
             <a:lstStyle>
@@ -6047,7 +5880,7 @@
         <p:spPr>
           <a:xfrm>
             <a:off x="4138362" y="5329423"/>
-            <a:ext cx="1716417" cy="698302"/>
+            <a:ext cx="1716417" cy="698300"/>
           </a:xfrm>
           <a:prstGeom prst="rect">
             <a:avLst/>
@@ -6062,7 +5895,7 @@
           </a:extLst>
         </p:spPr>
         <p:txBody>
-          <a:bodyPr lIns="45719" rIns="45719">
+          <a:bodyPr lIns="45718" tIns="45718" rIns="45718" bIns="45718">
             <a:spAutoFit/>
           </a:bodyPr>
           <a:lstStyle>
@@ -6098,7 +5931,7 @@
         <p:spPr>
           <a:xfrm>
             <a:off x="5999238" y="5329423"/>
-            <a:ext cx="5325984" cy="370841"/>
+            <a:ext cx="5325984" cy="370839"/>
           </a:xfrm>
           <a:prstGeom prst="rect">
             <a:avLst/>
@@ -6116,7 +5949,7 @@
           </a:extLst>
         </p:spPr>
         <p:txBody>
-          <a:bodyPr lIns="45719" rIns="45719">
+          <a:bodyPr lIns="45718" tIns="45718" rIns="45718" bIns="45718">
             <a:spAutoFit/>
           </a:bodyPr>
           <a:lstStyle>
@@ -6133,21 +5966,8 @@
             </a:lvl1pPr>
           </a:lstStyle>
           <a:p>
-            <a:pPr>
-              <a:defRPr>
-                <a:latin typeface="Times New Roman"/>
-                <a:ea typeface="Times New Roman"/>
-                <a:cs typeface="Times New Roman"/>
-                <a:sym typeface="Times New Roman"/>
-              </a:defRPr>
-            </a:pPr>
+            <a:pPr/>
             <a:r>
-              <a:rPr>
-                <a:latin typeface="微软雅黑"/>
-                <a:ea typeface="微软雅黑"/>
-                <a:cs typeface="微软雅黑"/>
-                <a:sym typeface="微软雅黑"/>
-              </a:rPr>
               <a:t>各个物体模型的反走样，尽可能使场景更加美观真实</a:t>
             </a:r>
           </a:p>
@@ -6161,8 +5981,8 @@
         </p:nvSpPr>
         <p:spPr>
           <a:xfrm>
-            <a:off x="5999238" y="4178349"/>
-            <a:ext cx="5325984" cy="370841"/>
+            <a:off x="5999238" y="4178348"/>
+            <a:ext cx="5325984" cy="370839"/>
           </a:xfrm>
           <a:prstGeom prst="rect">
             <a:avLst/>
@@ -6180,7 +6000,7 @@
           </a:extLst>
         </p:spPr>
         <p:txBody>
-          <a:bodyPr lIns="45719" rIns="45719">
+          <a:bodyPr lIns="45718" tIns="45718" rIns="45718" bIns="45718">
             <a:spAutoFit/>
           </a:bodyPr>
           <a:lstStyle>
@@ -6197,21 +6017,8 @@
             </a:lvl1pPr>
           </a:lstStyle>
           <a:p>
-            <a:pPr>
-              <a:defRPr>
-                <a:latin typeface="Times New Roman"/>
-                <a:ea typeface="Times New Roman"/>
-                <a:cs typeface="Times New Roman"/>
-                <a:sym typeface="Times New Roman"/>
-              </a:defRPr>
-            </a:pPr>
+            <a:pPr/>
             <a:r>
-              <a:rPr>
-                <a:latin typeface="微软雅黑"/>
-                <a:ea typeface="微软雅黑"/>
-                <a:cs typeface="微软雅黑"/>
-                <a:sym typeface="微软雅黑"/>
-              </a:rPr>
               <a:t>尽可能实现岛屿周边海水的流动</a:t>
             </a:r>
           </a:p>
@@ -6226,7 +6033,7 @@
         <p:spPr>
           <a:xfrm>
             <a:off x="4138362" y="4153906"/>
-            <a:ext cx="1716417" cy="698303"/>
+            <a:ext cx="1716417" cy="698300"/>
           </a:xfrm>
           <a:prstGeom prst="rect">
             <a:avLst/>
@@ -6241,7 +6048,7 @@
           </a:extLst>
         </p:spPr>
         <p:txBody>
-          <a:bodyPr lIns="45719" rIns="45719">
+          <a:bodyPr lIns="45718" tIns="45718" rIns="45718" bIns="45718">
             <a:spAutoFit/>
           </a:bodyPr>
           <a:lstStyle>
@@ -6320,14 +6127,14 @@
     </a:clrScheme>
     <a:fontScheme name="Office 主题">
       <a:majorFont>
+        <a:latin typeface="Calibri"/>
+        <a:ea typeface="Calibri"/>
+        <a:cs typeface="Calibri"/>
+      </a:majorFont>
+      <a:minorFont>
         <a:latin typeface="Helvetica"/>
         <a:ea typeface="Helvetica"/>
         <a:cs typeface="Helvetica"/>
-      </a:majorFont>
-      <a:minorFont>
-        <a:latin typeface="Calibri"/>
-        <a:ea typeface="Calibri"/>
-        <a:cs typeface="Calibri"/>
       </a:minorFont>
     </a:fontScheme>
     <a:fmtScheme name="Office 主题">
@@ -6470,17 +6277,17 @@
         <a:solidFill>
           <a:srgbClr val="FFFFFF"/>
         </a:solidFill>
-        <a:ln w="12700" cap="flat">
+        <a:ln w="25400" cap="flat">
           <a:solidFill>
             <a:schemeClr val="accent1"/>
           </a:solidFill>
           <a:prstDash val="solid"/>
-          <a:miter lim="800000"/>
+          <a:round/>
         </a:ln>
         <a:effectLst/>
         <a:sp3d/>
       </a:spPr>
-      <a:bodyPr rot="0" spcFirstLastPara="1" vertOverflow="overflow" horzOverflow="overflow" vert="horz" wrap="square" lIns="45719" tIns="45719" rIns="45719" bIns="45719" numCol="1" spcCol="38100" rtlCol="0" anchor="ctr" upright="0">
+      <a:bodyPr rot="0" spcFirstLastPara="1" vertOverflow="overflow" horzOverflow="overflow" vert="horz" wrap="square" lIns="45718" tIns="45718" rIns="45718" bIns="45718" numCol="1" spcCol="38100" rtlCol="0" anchor="ctr" upright="0">
         <a:spAutoFit/>
       </a:bodyPr>
       <a:lstStyle>
@@ -6508,9 +6315,9 @@
             </a:solidFill>
             <a:effectLst/>
             <a:uFillTx/>
-            <a:latin typeface="+mn-lt"/>
-            <a:ea typeface="+mn-ea"/>
-            <a:cs typeface="+mn-cs"/>
+            <a:latin typeface="+mj-lt"/>
+            <a:ea typeface="+mj-ea"/>
+            <a:cs typeface="+mj-cs"/>
             <a:sym typeface="Calibri"/>
           </a:defRPr>
         </a:defPPr>
@@ -6759,12 +6566,12 @@
     <a:lnDef>
       <a:spPr>
         <a:noFill/>
-        <a:ln w="12700" cap="flat">
+        <a:ln w="25400" cap="flat">
           <a:solidFill>
             <a:schemeClr val="accent1"/>
           </a:solidFill>
           <a:prstDash val="solid"/>
-          <a:miter lim="800000"/>
+          <a:round/>
         </a:ln>
         <a:effectLst/>
         <a:sp3d/>
@@ -7051,7 +6858,7 @@
         <a:effectLst/>
         <a:sp3d/>
       </a:spPr>
-      <a:bodyPr rot="0" spcFirstLastPara="1" vertOverflow="overflow" horzOverflow="overflow" vert="horz" wrap="square" lIns="45719" tIns="45719" rIns="45719" bIns="45719" numCol="1" spcCol="38100" rtlCol="0" anchor="t" upright="0">
+      <a:bodyPr rot="0" spcFirstLastPara="1" vertOverflow="overflow" horzOverflow="overflow" vert="horz" wrap="square" lIns="45718" tIns="45718" rIns="45718" bIns="45718" numCol="1" spcCol="38100" rtlCol="0" anchor="t" upright="0">
         <a:spAutoFit/>
       </a:bodyPr>
       <a:lstStyle>
@@ -7079,9 +6886,9 @@
             </a:solidFill>
             <a:effectLst/>
             <a:uFillTx/>
-            <a:latin typeface="+mn-lt"/>
-            <a:ea typeface="+mn-ea"/>
-            <a:cs typeface="+mn-cs"/>
+            <a:latin typeface="+mj-lt"/>
+            <a:ea typeface="+mj-ea"/>
+            <a:cs typeface="+mj-cs"/>
             <a:sym typeface="Calibri"/>
           </a:defRPr>
         </a:defPPr>
@@ -7374,14 +7181,14 @@
     </a:clrScheme>
     <a:fontScheme name="Office 主题">
       <a:majorFont>
+        <a:latin typeface="Calibri"/>
+        <a:ea typeface="Calibri"/>
+        <a:cs typeface="Calibri"/>
+      </a:majorFont>
+      <a:minorFont>
         <a:latin typeface="Helvetica"/>
         <a:ea typeface="Helvetica"/>
         <a:cs typeface="Helvetica"/>
-      </a:majorFont>
-      <a:minorFont>
-        <a:latin typeface="Calibri"/>
-        <a:ea typeface="Calibri"/>
-        <a:cs typeface="Calibri"/>
       </a:minorFont>
     </a:fontScheme>
     <a:fmtScheme name="Office 主题">
@@ -7524,17 +7331,17 @@
         <a:solidFill>
           <a:srgbClr val="FFFFFF"/>
         </a:solidFill>
-        <a:ln w="12700" cap="flat">
+        <a:ln w="25400" cap="flat">
           <a:solidFill>
             <a:schemeClr val="accent1"/>
           </a:solidFill>
           <a:prstDash val="solid"/>
-          <a:miter lim="800000"/>
+          <a:round/>
         </a:ln>
         <a:effectLst/>
         <a:sp3d/>
       </a:spPr>
-      <a:bodyPr rot="0" spcFirstLastPara="1" vertOverflow="overflow" horzOverflow="overflow" vert="horz" wrap="square" lIns="45719" tIns="45719" rIns="45719" bIns="45719" numCol="1" spcCol="38100" rtlCol="0" anchor="ctr" upright="0">
+      <a:bodyPr rot="0" spcFirstLastPara="1" vertOverflow="overflow" horzOverflow="overflow" vert="horz" wrap="square" lIns="45718" tIns="45718" rIns="45718" bIns="45718" numCol="1" spcCol="38100" rtlCol="0" anchor="ctr" upright="0">
         <a:spAutoFit/>
       </a:bodyPr>
       <a:lstStyle>
@@ -7562,9 +7369,9 @@
             </a:solidFill>
             <a:effectLst/>
             <a:uFillTx/>
-            <a:latin typeface="+mn-lt"/>
-            <a:ea typeface="+mn-ea"/>
-            <a:cs typeface="+mn-cs"/>
+            <a:latin typeface="+mj-lt"/>
+            <a:ea typeface="+mj-ea"/>
+            <a:cs typeface="+mj-cs"/>
             <a:sym typeface="Calibri"/>
           </a:defRPr>
         </a:defPPr>
@@ -7813,12 +7620,12 @@
     <a:lnDef>
       <a:spPr>
         <a:noFill/>
-        <a:ln w="12700" cap="flat">
+        <a:ln w="25400" cap="flat">
           <a:solidFill>
             <a:schemeClr val="accent1"/>
           </a:solidFill>
           <a:prstDash val="solid"/>
-          <a:miter lim="800000"/>
+          <a:round/>
         </a:ln>
         <a:effectLst/>
         <a:sp3d/>
@@ -8105,7 +7912,7 @@
         <a:effectLst/>
         <a:sp3d/>
       </a:spPr>
-      <a:bodyPr rot="0" spcFirstLastPara="1" vertOverflow="overflow" horzOverflow="overflow" vert="horz" wrap="square" lIns="45719" tIns="45719" rIns="45719" bIns="45719" numCol="1" spcCol="38100" rtlCol="0" anchor="t" upright="0">
+      <a:bodyPr rot="0" spcFirstLastPara="1" vertOverflow="overflow" horzOverflow="overflow" vert="horz" wrap="square" lIns="45718" tIns="45718" rIns="45718" bIns="45718" numCol="1" spcCol="38100" rtlCol="0" anchor="t" upright="0">
         <a:spAutoFit/>
       </a:bodyPr>
       <a:lstStyle>
@@ -8133,9 +7940,9 @@
             </a:solidFill>
             <a:effectLst/>
             <a:uFillTx/>
-            <a:latin typeface="+mn-lt"/>
-            <a:ea typeface="+mn-ea"/>
-            <a:cs typeface="+mn-cs"/>
+            <a:latin typeface="+mj-lt"/>
+            <a:ea typeface="+mj-ea"/>
+            <a:cs typeface="+mj-cs"/>
             <a:sym typeface="Calibri"/>
           </a:defRPr>
         </a:defPPr>

--- a/计图期末项目介绍.pptx
+++ b/计图期末项目介绍.pptx
@@ -72,10 +72,10 @@
         </a:solidFill>
         <a:effectLst/>
         <a:uFillTx/>
-        <a:latin typeface="+mj-lt"/>
-        <a:ea typeface="+mj-ea"/>
-        <a:cs typeface="+mj-cs"/>
-        <a:sym typeface="Calibri"/>
+        <a:latin typeface="+mn-lt"/>
+        <a:ea typeface="+mn-ea"/>
+        <a:cs typeface="+mn-cs"/>
+        <a:sym typeface="Helvetica"/>
       </a:defRPr>
     </a:lvl1pPr>
     <a:lvl2pPr marL="0" marR="0" indent="0" algn="l" defTabSz="914400" rtl="0" fontAlgn="auto" latinLnBrk="0" hangingPunct="0">
@@ -102,10 +102,10 @@
         </a:solidFill>
         <a:effectLst/>
         <a:uFillTx/>
-        <a:latin typeface="+mj-lt"/>
-        <a:ea typeface="+mj-ea"/>
-        <a:cs typeface="+mj-cs"/>
-        <a:sym typeface="Calibri"/>
+        <a:latin typeface="+mn-lt"/>
+        <a:ea typeface="+mn-ea"/>
+        <a:cs typeface="+mn-cs"/>
+        <a:sym typeface="Helvetica"/>
       </a:defRPr>
     </a:lvl2pPr>
     <a:lvl3pPr marL="0" marR="0" indent="0" algn="l" defTabSz="914400" rtl="0" fontAlgn="auto" latinLnBrk="0" hangingPunct="0">
@@ -132,10 +132,10 @@
         </a:solidFill>
         <a:effectLst/>
         <a:uFillTx/>
-        <a:latin typeface="+mj-lt"/>
-        <a:ea typeface="+mj-ea"/>
-        <a:cs typeface="+mj-cs"/>
-        <a:sym typeface="Calibri"/>
+        <a:latin typeface="+mn-lt"/>
+        <a:ea typeface="+mn-ea"/>
+        <a:cs typeface="+mn-cs"/>
+        <a:sym typeface="Helvetica"/>
       </a:defRPr>
     </a:lvl3pPr>
     <a:lvl4pPr marL="0" marR="0" indent="0" algn="l" defTabSz="914400" rtl="0" fontAlgn="auto" latinLnBrk="0" hangingPunct="0">
@@ -162,10 +162,10 @@
         </a:solidFill>
         <a:effectLst/>
         <a:uFillTx/>
-        <a:latin typeface="+mj-lt"/>
-        <a:ea typeface="+mj-ea"/>
-        <a:cs typeface="+mj-cs"/>
-        <a:sym typeface="Calibri"/>
+        <a:latin typeface="+mn-lt"/>
+        <a:ea typeface="+mn-ea"/>
+        <a:cs typeface="+mn-cs"/>
+        <a:sym typeface="Helvetica"/>
       </a:defRPr>
     </a:lvl4pPr>
     <a:lvl5pPr marL="0" marR="0" indent="0" algn="l" defTabSz="914400" rtl="0" fontAlgn="auto" latinLnBrk="0" hangingPunct="0">
@@ -192,10 +192,10 @@
         </a:solidFill>
         <a:effectLst/>
         <a:uFillTx/>
-        <a:latin typeface="+mj-lt"/>
-        <a:ea typeface="+mj-ea"/>
-        <a:cs typeface="+mj-cs"/>
-        <a:sym typeface="Calibri"/>
+        <a:latin typeface="+mn-lt"/>
+        <a:ea typeface="+mn-ea"/>
+        <a:cs typeface="+mn-cs"/>
+        <a:sym typeface="Helvetica"/>
       </a:defRPr>
     </a:lvl5pPr>
     <a:lvl6pPr marL="0" marR="0" indent="0" algn="l" defTabSz="914400" rtl="0" fontAlgn="auto" latinLnBrk="0" hangingPunct="0">
@@ -222,10 +222,10 @@
         </a:solidFill>
         <a:effectLst/>
         <a:uFillTx/>
-        <a:latin typeface="+mj-lt"/>
-        <a:ea typeface="+mj-ea"/>
-        <a:cs typeface="+mj-cs"/>
-        <a:sym typeface="Calibri"/>
+        <a:latin typeface="+mn-lt"/>
+        <a:ea typeface="+mn-ea"/>
+        <a:cs typeface="+mn-cs"/>
+        <a:sym typeface="Helvetica"/>
       </a:defRPr>
     </a:lvl6pPr>
     <a:lvl7pPr marL="0" marR="0" indent="0" algn="l" defTabSz="914400" rtl="0" fontAlgn="auto" latinLnBrk="0" hangingPunct="0">
@@ -252,10 +252,10 @@
         </a:solidFill>
         <a:effectLst/>
         <a:uFillTx/>
-        <a:latin typeface="+mj-lt"/>
-        <a:ea typeface="+mj-ea"/>
-        <a:cs typeface="+mj-cs"/>
-        <a:sym typeface="Calibri"/>
+        <a:latin typeface="+mn-lt"/>
+        <a:ea typeface="+mn-ea"/>
+        <a:cs typeface="+mn-cs"/>
+        <a:sym typeface="Helvetica"/>
       </a:defRPr>
     </a:lvl7pPr>
     <a:lvl8pPr marL="0" marR="0" indent="0" algn="l" defTabSz="914400" rtl="0" fontAlgn="auto" latinLnBrk="0" hangingPunct="0">
@@ -282,10 +282,10 @@
         </a:solidFill>
         <a:effectLst/>
         <a:uFillTx/>
-        <a:latin typeface="+mj-lt"/>
-        <a:ea typeface="+mj-ea"/>
-        <a:cs typeface="+mj-cs"/>
-        <a:sym typeface="Calibri"/>
+        <a:latin typeface="+mn-lt"/>
+        <a:ea typeface="+mn-ea"/>
+        <a:cs typeface="+mn-cs"/>
+        <a:sym typeface="Helvetica"/>
       </a:defRPr>
     </a:lvl8pPr>
     <a:lvl9pPr marL="0" marR="0" indent="0" algn="l" defTabSz="914400" rtl="0" fontAlgn="auto" latinLnBrk="0" hangingPunct="0">
@@ -312,10 +312,10 @@
         </a:solidFill>
         <a:effectLst/>
         <a:uFillTx/>
-        <a:latin typeface="+mj-lt"/>
-        <a:ea typeface="+mj-ea"/>
-        <a:cs typeface="+mj-cs"/>
-        <a:sym typeface="Calibri"/>
+        <a:latin typeface="+mn-lt"/>
+        <a:ea typeface="+mn-ea"/>
+        <a:cs typeface="+mn-cs"/>
+        <a:sym typeface="Helvetica"/>
       </a:defRPr>
     </a:lvl9pPr>
   </p:defaultTextStyle>
@@ -568,6 +568,10 @@
                 <a:solidFill>
                   <a:srgbClr val="FFFFFF"/>
                 </a:solidFill>
+                <a:latin typeface="+mj-lt"/>
+                <a:ea typeface="+mj-ea"/>
+                <a:cs typeface="+mj-cs"/>
+                <a:sym typeface="Calibri"/>
               </a:defRPr>
             </a:pPr>
           </a:p>
@@ -651,6 +655,10 @@
                 <a:solidFill>
                   <a:srgbClr val="FFFFFF"/>
                 </a:solidFill>
+                <a:latin typeface="+mj-lt"/>
+                <a:ea typeface="+mj-ea"/>
+                <a:cs typeface="+mj-cs"/>
+                <a:sym typeface="Calibri"/>
               </a:defRPr>
             </a:pPr>
           </a:p>
@@ -734,6 +742,10 @@
                 <a:solidFill>
                   <a:srgbClr val="FFFFFF"/>
                 </a:solidFill>
+                <a:latin typeface="+mj-lt"/>
+                <a:ea typeface="+mj-ea"/>
+                <a:cs typeface="+mj-cs"/>
+                <a:sym typeface="Calibri"/>
               </a:defRPr>
             </a:pPr>
           </a:p>
@@ -817,6 +829,10 @@
                 <a:solidFill>
                   <a:srgbClr val="FFFFFF"/>
                 </a:solidFill>
+                <a:latin typeface="+mj-lt"/>
+                <a:ea typeface="+mj-ea"/>
+                <a:cs typeface="+mj-cs"/>
+                <a:sym typeface="Calibri"/>
               </a:defRPr>
             </a:pPr>
           </a:p>
@@ -1061,8 +1077,8 @@
         </p:nvSpPr>
         <p:spPr>
           <a:xfrm>
-            <a:off x="8473620" y="6221731"/>
-            <a:ext cx="263980" cy="269239"/>
+            <a:off x="8473622" y="6221732"/>
+            <a:ext cx="263979" cy="269237"/>
           </a:xfrm>
           <a:prstGeom prst="rect">
             <a:avLst/>
@@ -1077,7 +1093,12 @@
           </a:bodyPr>
           <a:lstStyle>
             <a:lvl1pPr algn="r">
-              <a:defRPr sz="1200"/>
+              <a:defRPr sz="1200">
+                <a:latin typeface="+mj-lt"/>
+                <a:ea typeface="+mj-ea"/>
+                <a:cs typeface="+mj-cs"/>
+                <a:sym typeface="Calibri"/>
+              </a:defRPr>
             </a:lvl1pPr>
           </a:lstStyle>
           <a:p>
@@ -1421,7 +1442,7 @@
           <a:sym typeface="Calibri"/>
         </a:defRPr>
       </a:lvl2pPr>
-      <a:lvl3pPr marL="1234439" marR="0" indent="-320039" algn="l" defTabSz="914400" rtl="0" latinLnBrk="0">
+      <a:lvl3pPr marL="1234438" marR="0" indent="-320038" algn="l" defTabSz="914400" rtl="0" latinLnBrk="0">
         <a:lnSpc>
           <a:spcPct val="90000"/>
         </a:lnSpc>
@@ -1917,8 +1938,8 @@
         </p:nvSpPr>
         <p:spPr>
           <a:xfrm>
-            <a:off x="3400707" y="3210174"/>
-            <a:ext cx="5402684" cy="2511767"/>
+            <a:off x="3400707" y="3210173"/>
+            <a:ext cx="5402685" cy="2511766"/>
           </a:xfrm>
           <a:prstGeom prst="rect">
             <a:avLst/>
@@ -1985,8 +2006,8 @@
         </p:nvSpPr>
         <p:spPr>
           <a:xfrm>
-            <a:off x="3370518" y="5371810"/>
-            <a:ext cx="5656705" cy="2"/>
+            <a:off x="3370517" y="5371810"/>
+            <a:ext cx="5656706" cy="3"/>
           </a:xfrm>
           <a:prstGeom prst="line">
             <a:avLst/>
@@ -2017,7 +2038,7 @@
         <p:spPr>
           <a:xfrm>
             <a:off x="3400707" y="5704895"/>
-            <a:ext cx="5626516" cy="802639"/>
+            <a:ext cx="5626517" cy="802637"/>
           </a:xfrm>
           <a:prstGeom prst="rect">
             <a:avLst/>
@@ -2107,8 +2128,8 @@
         </p:nvSpPr>
         <p:spPr>
           <a:xfrm>
-            <a:off x="4206823" y="3621909"/>
-            <a:ext cx="5402684" cy="2136139"/>
+            <a:off x="4206822" y="3621909"/>
+            <a:ext cx="5402686" cy="2136137"/>
           </a:xfrm>
           <a:prstGeom prst="rect">
             <a:avLst/>
@@ -2132,10 +2153,6 @@
                 <a:solidFill>
                   <a:srgbClr val="ECC345"/>
                 </a:solidFill>
-                <a:latin typeface="+mn-lt"/>
-                <a:ea typeface="+mn-ea"/>
-                <a:cs typeface="+mn-cs"/>
-                <a:sym typeface="Helvetica"/>
               </a:defRPr>
             </a:lvl1pPr>
           </a:lstStyle>
@@ -2182,7 +2199,7 @@
         <p:spPr>
           <a:xfrm>
             <a:off x="5727979" y="2717474"/>
-            <a:ext cx="1068444" cy="523239"/>
+            <a:ext cx="1068445" cy="523237"/>
           </a:xfrm>
           <a:prstGeom prst="rect">
             <a:avLst/>
@@ -2230,7 +2247,7 @@
         <p:spPr>
           <a:xfrm>
             <a:off x="5218250" y="963973"/>
-            <a:ext cx="1755500" cy="904239"/>
+            <a:ext cx="1755501" cy="904237"/>
           </a:xfrm>
           <a:prstGeom prst="rect">
             <a:avLst/>
@@ -2294,10 +2311,10 @@
         </p:nvGrpSpPr>
         <p:grpSpPr>
           <a:xfrm>
-            <a:off x="2284642" y="2292787"/>
-            <a:ext cx="7857182" cy="2680266"/>
-            <a:chOff x="-1" y="0"/>
-            <a:chExt cx="7857180" cy="2680265"/>
+            <a:off x="2284640" y="2292784"/>
+            <a:ext cx="7857187" cy="2680272"/>
+            <a:chOff x="-1" y="-1"/>
+            <a:chExt cx="7857185" cy="2680270"/>
           </a:xfrm>
         </p:grpSpPr>
         <p:grpSp>
@@ -2308,10 +2325,10 @@
           </p:nvGrpSpPr>
           <p:grpSpPr>
             <a:xfrm>
-              <a:off x="-2" y="1601426"/>
-              <a:ext cx="3811123" cy="1078839"/>
-              <a:chOff x="0" y="0"/>
-              <a:chExt cx="3811121" cy="1078838"/>
+              <a:off x="-2" y="1601425"/>
+              <a:ext cx="3811125" cy="1078844"/>
+              <a:chOff x="0" y="-1"/>
+              <a:chExt cx="3811123" cy="1078842"/>
             </a:xfrm>
           </p:grpSpPr>
           <p:grpSp>
@@ -2322,10 +2339,10 @@
             </p:nvGrpSpPr>
             <p:grpSpPr>
               <a:xfrm>
-                <a:off x="2349" y="-1"/>
-                <a:ext cx="3808772" cy="1078840"/>
-                <a:chOff x="0" y="0"/>
-                <a:chExt cx="3808771" cy="1078838"/>
+                <a:off x="2347" y="-2"/>
+                <a:ext cx="3808777" cy="1078844"/>
+                <a:chOff x="-1" y="0"/>
+                <a:chExt cx="3808775" cy="1078842"/>
               </a:xfrm>
             </p:grpSpPr>
             <p:sp>
@@ -2336,8 +2353,8 @@
               </p:nvSpPr>
               <p:spPr>
                 <a:xfrm flipH="1">
-                  <a:off x="-1" y="0"/>
-                  <a:ext cx="3808772" cy="1078839"/>
+                  <a:off x="-2" y="0"/>
+                  <a:ext cx="3808777" cy="1078843"/>
                 </a:xfrm>
                 <a:prstGeom prst="roundRect">
                   <a:avLst>
@@ -2364,6 +2381,10 @@
                       <a:solidFill>
                         <a:srgbClr val="FFFFFF"/>
                       </a:solidFill>
+                      <a:latin typeface="+mj-lt"/>
+                      <a:ea typeface="+mj-ea"/>
+                      <a:cs typeface="+mj-cs"/>
+                      <a:sym typeface="Calibri"/>
                     </a:defRPr>
                   </a:pPr>
                 </a:p>
@@ -2378,7 +2399,7 @@
               <p:spPr>
                 <a:xfrm>
                   <a:off x="157989" y="239697"/>
-                  <a:ext cx="3492792" cy="599439"/>
+                  <a:ext cx="3492796" cy="599437"/>
                 </a:xfrm>
                 <a:prstGeom prst="rect">
                   <a:avLst/>
@@ -2429,10 +2450,10 @@
             </p:nvGrpSpPr>
             <p:grpSpPr>
               <a:xfrm>
-                <a:off x="-1" y="47519"/>
-                <a:ext cx="990537" cy="990879"/>
-                <a:chOff x="0" y="0"/>
-                <a:chExt cx="990536" cy="990877"/>
+                <a:off x="-1" y="47517"/>
+                <a:ext cx="990539" cy="990884"/>
+                <a:chOff x="0" y="-1"/>
+                <a:chExt cx="990537" cy="990882"/>
               </a:xfrm>
             </p:grpSpPr>
             <p:sp>
@@ -2443,8 +2464,8 @@
               </p:nvSpPr>
               <p:spPr>
                 <a:xfrm flipH="1">
-                  <a:off x="0" y="-1"/>
-                  <a:ext cx="990537" cy="990879"/>
+                  <a:off x="0" y="-2"/>
+                  <a:ext cx="990539" cy="990884"/>
                 </a:xfrm>
                 <a:prstGeom prst="ellipse">
                   <a:avLst/>
@@ -2487,7 +2508,7 @@
               <p:spPr>
                 <a:xfrm>
                   <a:off x="145061" y="216036"/>
-                  <a:ext cx="700416" cy="558801"/>
+                  <a:ext cx="700418" cy="558801"/>
                 </a:xfrm>
                 <a:prstGeom prst="rect">
                   <a:avLst/>
@@ -2539,10 +2560,10 @@
           </p:nvGrpSpPr>
           <p:grpSpPr>
             <a:xfrm>
-              <a:off x="1937307" y="-1"/>
-              <a:ext cx="3809215" cy="1078839"/>
-              <a:chOff x="0" y="0"/>
-              <a:chExt cx="3809214" cy="1078837"/>
+              <a:off x="1937308" y="-2"/>
+              <a:ext cx="3809218" cy="1078842"/>
+              <a:chOff x="0" y="-1"/>
+              <a:chExt cx="3809216" cy="1078841"/>
             </a:xfrm>
           </p:grpSpPr>
           <p:sp>
@@ -2553,8 +2574,8 @@
             </p:nvSpPr>
             <p:spPr>
               <a:xfrm flipH="1">
-                <a:off x="0" y="-1"/>
-                <a:ext cx="3809215" cy="1078839"/>
+                <a:off x="0" y="-2"/>
+                <a:ext cx="3809217" cy="1078843"/>
               </a:xfrm>
               <a:prstGeom prst="roundRect">
                 <a:avLst>
@@ -2581,6 +2602,10 @@
                     <a:solidFill>
                       <a:srgbClr val="FFFFFF"/>
                     </a:solidFill>
+                    <a:latin typeface="+mj-lt"/>
+                    <a:ea typeface="+mj-ea"/>
+                    <a:cs typeface="+mj-cs"/>
+                    <a:sym typeface="Calibri"/>
                   </a:defRPr>
                 </a:pPr>
               </a:p>
@@ -2594,10 +2619,10 @@
             </p:nvGrpSpPr>
             <p:grpSpPr>
               <a:xfrm>
-                <a:off x="2818335" y="43473"/>
-                <a:ext cx="990653" cy="990879"/>
-                <a:chOff x="0" y="0"/>
-                <a:chExt cx="990652" cy="990877"/>
+                <a:off x="2818336" y="43472"/>
+                <a:ext cx="990655" cy="990885"/>
+                <a:chOff x="0" y="-1"/>
+                <a:chExt cx="990653" cy="990883"/>
               </a:xfrm>
             </p:grpSpPr>
             <p:sp>
@@ -2608,8 +2633,8 @@
               </p:nvSpPr>
               <p:spPr>
                 <a:xfrm flipH="1">
-                  <a:off x="0" y="-1"/>
-                  <a:ext cx="990653" cy="990879"/>
+                  <a:off x="0" y="-2"/>
+                  <a:ext cx="990655" cy="990885"/>
                 </a:xfrm>
                 <a:prstGeom prst="ellipse">
                   <a:avLst/>
@@ -2652,7 +2677,7 @@
               <p:spPr>
                 <a:xfrm>
                   <a:off x="145077" y="216036"/>
-                  <a:ext cx="700499" cy="558801"/>
+                  <a:ext cx="700501" cy="558801"/>
                 </a:xfrm>
                 <a:prstGeom prst="rect">
                   <a:avLst/>
@@ -2705,9 +2730,9 @@
           <p:grpSpPr>
             <a:xfrm>
               <a:off x="4047326" y="1560787"/>
-              <a:ext cx="3809854" cy="1078840"/>
+              <a:ext cx="3809859" cy="1078844"/>
               <a:chOff x="-1" y="0"/>
-              <a:chExt cx="3809852" cy="1078839"/>
+              <a:chExt cx="3809858" cy="1078842"/>
             </a:xfrm>
           </p:grpSpPr>
           <p:grpSp>
@@ -2719,9 +2744,9 @@
             <p:grpSpPr>
               <a:xfrm>
                 <a:off x="-2" y="0"/>
-                <a:ext cx="3809262" cy="1078840"/>
+                <a:ext cx="3809267" cy="1078843"/>
                 <a:chOff x="0" y="0"/>
-                <a:chExt cx="3809260" cy="1078839"/>
+                <a:chExt cx="3809266" cy="1078842"/>
               </a:xfrm>
             </p:grpSpPr>
             <p:sp>
@@ -2733,7 +2758,7 @@
               <p:spPr>
                 <a:xfrm flipH="1">
                   <a:off x="-1" y="0"/>
-                  <a:ext cx="3809262" cy="1078840"/>
+                  <a:ext cx="3809267" cy="1078843"/>
                 </a:xfrm>
                 <a:prstGeom prst="roundRect">
                   <a:avLst>
@@ -2760,6 +2785,10 @@
                       <a:solidFill>
                         <a:srgbClr val="FFFFFF"/>
                       </a:solidFill>
+                      <a:latin typeface="+mj-lt"/>
+                      <a:ea typeface="+mj-ea"/>
+                      <a:cs typeface="+mj-cs"/>
+                      <a:sym typeface="Calibri"/>
                     </a:defRPr>
                   </a:pPr>
                 </a:p>
@@ -2774,7 +2803,7 @@
               <p:spPr>
                 <a:xfrm>
                   <a:off x="157990" y="239697"/>
-                  <a:ext cx="3493280" cy="599439"/>
+                  <a:ext cx="3493285" cy="599437"/>
                 </a:xfrm>
                 <a:prstGeom prst="rect">
                   <a:avLst/>
@@ -2825,10 +2854,10 @@
             </p:nvGrpSpPr>
             <p:grpSpPr>
               <a:xfrm>
-                <a:off x="2819189" y="43980"/>
-                <a:ext cx="990663" cy="990879"/>
+                <a:off x="2819192" y="43980"/>
+                <a:ext cx="990665" cy="990883"/>
                 <a:chOff x="0" y="0"/>
-                <a:chExt cx="990662" cy="990877"/>
+                <a:chExt cx="990664" cy="990882"/>
               </a:xfrm>
             </p:grpSpPr>
             <p:sp>
@@ -2839,8 +2868,8 @@
               </p:nvSpPr>
               <p:spPr>
                 <a:xfrm flipH="1">
-                  <a:off x="0" y="0"/>
-                  <a:ext cx="990663" cy="990879"/>
+                  <a:off x="0" y="-1"/>
+                  <a:ext cx="990665" cy="990884"/>
                 </a:xfrm>
                 <a:prstGeom prst="ellipse">
                   <a:avLst/>
@@ -2883,7 +2912,7 @@
               <p:spPr>
                 <a:xfrm>
                   <a:off x="145078" y="216036"/>
-                  <a:ext cx="700506" cy="558801"/>
+                  <a:ext cx="700508" cy="558801"/>
                 </a:xfrm>
                 <a:prstGeom prst="rect">
                   <a:avLst/>
@@ -2935,8 +2964,8 @@
           </p:nvSpPr>
           <p:spPr>
             <a:xfrm>
-              <a:off x="2871989" y="278757"/>
-              <a:ext cx="1526539" cy="599439"/>
+              <a:off x="2871990" y="278757"/>
+              <a:ext cx="1526537" cy="599437"/>
             </a:xfrm>
             <a:prstGeom prst="rect">
               <a:avLst/>
@@ -3014,7 +3043,7 @@
         <p:spPr>
           <a:xfrm>
             <a:off x="5191645" y="4044632"/>
-            <a:ext cx="1729739" cy="662939"/>
+            <a:ext cx="1729737" cy="662937"/>
           </a:xfrm>
           <a:prstGeom prst="rect">
             <a:avLst/>
@@ -3062,7 +3091,7 @@
         <p:spPr>
           <a:xfrm>
             <a:off x="4997501" y="1272631"/>
-            <a:ext cx="2197000" cy="2225039"/>
+            <a:ext cx="2197001" cy="2225037"/>
           </a:xfrm>
           <a:prstGeom prst="rect">
             <a:avLst/>
@@ -3110,7 +3139,7 @@
         <p:spPr>
           <a:xfrm>
             <a:off x="4997501" y="4588767"/>
-            <a:ext cx="2197000" cy="447039"/>
+            <a:ext cx="2197001" cy="447037"/>
           </a:xfrm>
           <a:prstGeom prst="rect">
             <a:avLst/>
@@ -3134,6 +3163,10 @@
                 <a:solidFill>
                   <a:srgbClr val="384E5E"/>
                 </a:solidFill>
+                <a:latin typeface="+mj-lt"/>
+                <a:ea typeface="+mj-ea"/>
+                <a:cs typeface="+mj-cs"/>
+                <a:sym typeface="Calibri"/>
               </a:defRPr>
             </a:lvl1pPr>
           </a:lstStyle>
@@ -3179,8 +3212,8 @@
         </p:nvSpPr>
         <p:spPr>
           <a:xfrm>
-            <a:off x="5834379" y="2656204"/>
-            <a:ext cx="5024252" cy="1450339"/>
+            <a:off x="5834379" y="2656203"/>
+            <a:ext cx="5024253" cy="1107437"/>
           </a:xfrm>
           <a:prstGeom prst="rect">
             <a:avLst/>
@@ -3230,8 +3263,8 @@
         </p:nvSpPr>
         <p:spPr>
           <a:xfrm>
-            <a:off x="5853429" y="1213833"/>
-            <a:ext cx="1729739" cy="662939"/>
+            <a:off x="5853429" y="1213832"/>
+            <a:ext cx="1729737" cy="662937"/>
           </a:xfrm>
           <a:prstGeom prst="rect">
             <a:avLst/>
@@ -3336,8 +3369,8 @@
         </p:nvSpPr>
         <p:spPr>
           <a:xfrm>
-            <a:off x="6417943" y="1815464"/>
-            <a:ext cx="4972427" cy="3241039"/>
+            <a:off x="6417943" y="1815463"/>
+            <a:ext cx="4972428" cy="2898137"/>
           </a:xfrm>
           <a:prstGeom prst="rect">
             <a:avLst/>
@@ -3372,13 +3405,7 @@
               </a:defRPr>
             </a:pPr>
             <a:r>
-              <a:t>我们项目的灵感来自著名的冒险探索游戏《RIME》，我们会仿照</a:t>
-            </a:r>
-            <a:r>
-              <a:t>其风格，</a:t>
-            </a:r>
-            <a:r>
-              <a:t>在项目中尽可能地创造神秘而优美的场景。</a:t>
+              <a:t>我们项目的灵感来自著名的冒险探索游戏《RIME》，我们会仿照其风格，在项目中尽可能地创造神秘而优美的场景。</a:t>
             </a:r>
           </a:p>
           <a:p>
@@ -3462,7 +3489,7 @@
         <p:spPr>
           <a:xfrm>
             <a:off x="6494388" y="748030"/>
-            <a:ext cx="1416181" cy="510539"/>
+            <a:ext cx="1416182" cy="510537"/>
           </a:xfrm>
           <a:prstGeom prst="rect">
             <a:avLst/>
@@ -3523,7 +3550,7 @@
         <p:spPr>
           <a:xfrm>
             <a:off x="604519" y="2094339"/>
-            <a:ext cx="4972425" cy="2669322"/>
+            <a:ext cx="4972426" cy="2669322"/>
           </a:xfrm>
           <a:prstGeom prst="rect">
             <a:avLst/>
@@ -3568,7 +3595,7 @@
         <p:spPr>
           <a:xfrm>
             <a:off x="3746639" y="4003992"/>
-            <a:ext cx="4698724" cy="662939"/>
+            <a:ext cx="4698725" cy="662937"/>
           </a:xfrm>
           <a:prstGeom prst="rect">
             <a:avLst/>
@@ -3615,8 +3642,8 @@
         </p:nvSpPr>
         <p:spPr>
           <a:xfrm>
-            <a:off x="4997501" y="1303111"/>
-            <a:ext cx="2197000" cy="2225039"/>
+            <a:off x="4997501" y="1303110"/>
+            <a:ext cx="2197001" cy="2225037"/>
           </a:xfrm>
           <a:prstGeom prst="rect">
             <a:avLst/>
@@ -3664,7 +3691,7 @@
         <p:spPr>
           <a:xfrm>
             <a:off x="4997501" y="4588767"/>
-            <a:ext cx="2197000" cy="459739"/>
+            <a:ext cx="2197001" cy="459737"/>
           </a:xfrm>
           <a:prstGeom prst="rect">
             <a:avLst/>
@@ -3737,8 +3764,8 @@
         </p:nvSpPr>
         <p:spPr>
           <a:xfrm>
-            <a:off x="4896406" y="116556"/>
-            <a:ext cx="2257587" cy="749878"/>
+            <a:off x="4896406" y="116555"/>
+            <a:ext cx="2257588" cy="749880"/>
           </a:xfrm>
           <a:prstGeom prst="rect">
             <a:avLst/>
@@ -3776,8 +3803,8 @@
         </p:nvSpPr>
         <p:spPr>
           <a:xfrm flipH="1">
-            <a:off x="2029452" y="837336"/>
-            <a:ext cx="2866956" cy="721453"/>
+            <a:off x="2029452" y="837335"/>
+            <a:ext cx="2866957" cy="721455"/>
           </a:xfrm>
           <a:prstGeom prst="line">
             <a:avLst/>
@@ -3807,7 +3834,7 @@
         <p:spPr>
           <a:xfrm>
             <a:off x="7153991" y="827175"/>
-            <a:ext cx="2975744" cy="923652"/>
+            <a:ext cx="2975745" cy="923652"/>
           </a:xfrm>
           <a:prstGeom prst="line">
             <a:avLst/>
@@ -3836,8 +3863,8 @@
         </p:nvSpPr>
         <p:spPr>
           <a:xfrm flipH="1">
-            <a:off x="3868034" y="866431"/>
-            <a:ext cx="1588568" cy="2316175"/>
+            <a:off x="3868034" y="866430"/>
+            <a:ext cx="1588569" cy="2316177"/>
           </a:xfrm>
           <a:prstGeom prst="line">
             <a:avLst/>
@@ -3867,7 +3894,7 @@
         <p:spPr>
           <a:xfrm flipH="1">
             <a:off x="6046075" y="856170"/>
-            <a:ext cx="19768" cy="3141149"/>
+            <a:ext cx="19769" cy="3141150"/>
           </a:xfrm>
           <a:prstGeom prst="line">
             <a:avLst/>
@@ -3896,10 +3923,10 @@
         </p:nvGrpSpPr>
         <p:grpSpPr>
           <a:xfrm>
-            <a:off x="1165057" y="1547639"/>
-            <a:ext cx="1440753" cy="678518"/>
-            <a:chOff x="-1" y="0"/>
-            <a:chExt cx="1440751" cy="678517"/>
+            <a:off x="1165055" y="1547637"/>
+            <a:ext cx="1440756" cy="678520"/>
+            <a:chOff x="0" y="-1"/>
+            <a:chExt cx="1440754" cy="678519"/>
           </a:xfrm>
         </p:grpSpPr>
         <p:sp>
@@ -3910,8 +3937,8 @@
           </p:nvSpPr>
           <p:spPr>
             <a:xfrm>
-              <a:off x="-2" y="-1"/>
-              <a:ext cx="1440752" cy="678518"/>
+              <a:off x="-1" y="-2"/>
+              <a:ext cx="1440755" cy="678520"/>
             </a:xfrm>
             <a:prstGeom prst="rect">
               <a:avLst/>
@@ -3953,8 +3980,8 @@
           </p:nvSpPr>
           <p:spPr>
             <a:xfrm>
-              <a:off x="-2" y="6832"/>
-              <a:ext cx="1440752" cy="664848"/>
+              <a:off x="-1" y="6831"/>
+              <a:ext cx="1440755" cy="664847"/>
             </a:xfrm>
             <a:prstGeom prst="rect">
               <a:avLst/>
@@ -4006,9 +4033,9 @@
         <p:grpSpPr>
           <a:xfrm>
             <a:off x="2850325" y="3170583"/>
-            <a:ext cx="2035421" cy="956949"/>
+            <a:ext cx="2035422" cy="956946"/>
             <a:chOff x="0" y="0"/>
-            <a:chExt cx="2035419" cy="956947"/>
+            <a:chExt cx="2035421" cy="956945"/>
           </a:xfrm>
         </p:grpSpPr>
         <p:sp>
@@ -4019,8 +4046,8 @@
           </p:nvSpPr>
           <p:spPr>
             <a:xfrm>
-              <a:off x="0" y="12020"/>
-              <a:ext cx="2035420" cy="932911"/>
+              <a:off x="-1" y="12019"/>
+              <a:ext cx="2035423" cy="932914"/>
             </a:xfrm>
             <a:prstGeom prst="rect">
               <a:avLst/>
@@ -4062,8 +4089,8 @@
           </p:nvSpPr>
           <p:spPr>
             <a:xfrm>
-              <a:off x="0" y="0"/>
-              <a:ext cx="2035420" cy="956948"/>
+              <a:off x="-1" y="-1"/>
+              <a:ext cx="2035423" cy="956947"/>
             </a:xfrm>
             <a:prstGeom prst="rect">
               <a:avLst/>
@@ -4114,10 +4141,10 @@
         </p:nvGrpSpPr>
         <p:grpSpPr>
           <a:xfrm>
-            <a:off x="5330279" y="3992585"/>
-            <a:ext cx="1446118" cy="749878"/>
-            <a:chOff x="0" y="0"/>
-            <a:chExt cx="1446117" cy="749876"/>
+            <a:off x="5330277" y="3992583"/>
+            <a:ext cx="1446120" cy="749881"/>
+            <a:chOff x="-1" y="0"/>
+            <a:chExt cx="1446118" cy="749880"/>
           </a:xfrm>
         </p:grpSpPr>
         <p:sp>
@@ -4128,8 +4155,8 @@
           </p:nvSpPr>
           <p:spPr>
             <a:xfrm>
-              <a:off x="-1" y="-1"/>
-              <a:ext cx="1446118" cy="749878"/>
+              <a:off x="-2" y="-1"/>
+              <a:ext cx="1446120" cy="749881"/>
             </a:xfrm>
             <a:prstGeom prst="rect">
               <a:avLst/>
@@ -4171,8 +4198,8 @@
           </p:nvSpPr>
           <p:spPr>
             <a:xfrm>
-              <a:off x="-1" y="42512"/>
-              <a:ext cx="1446118" cy="664849"/>
+              <a:off x="-2" y="42512"/>
+              <a:ext cx="1446120" cy="664847"/>
             </a:xfrm>
             <a:prstGeom prst="rect">
               <a:avLst/>
@@ -4223,10 +4250,10 @@
         </p:nvGrpSpPr>
         <p:grpSpPr>
           <a:xfrm>
-            <a:off x="9127527" y="1748474"/>
-            <a:ext cx="1899415" cy="865801"/>
-            <a:chOff x="0" y="0"/>
-            <a:chExt cx="1899414" cy="865800"/>
+            <a:off x="9127526" y="1748473"/>
+            <a:ext cx="1899418" cy="865804"/>
+            <a:chOff x="0" y="-1"/>
+            <a:chExt cx="1899417" cy="865802"/>
           </a:xfrm>
         </p:grpSpPr>
         <p:sp>
@@ -4237,8 +4264,8 @@
           </p:nvSpPr>
           <p:spPr>
             <a:xfrm>
-              <a:off x="-1" y="-1"/>
-              <a:ext cx="1899416" cy="865802"/>
+              <a:off x="-1" y="-2"/>
+              <a:ext cx="1899418" cy="865804"/>
             </a:xfrm>
             <a:prstGeom prst="rect">
               <a:avLst/>
@@ -4281,7 +4308,7 @@
           <p:spPr>
             <a:xfrm>
               <a:off x="-1" y="100474"/>
-              <a:ext cx="1899416" cy="664849"/>
+              <a:ext cx="1899418" cy="664847"/>
             </a:xfrm>
             <a:prstGeom prst="rect">
               <a:avLst/>
@@ -4333,7 +4360,7 @@
         <p:spPr>
           <a:xfrm>
             <a:off x="4952686" y="75049"/>
-            <a:ext cx="2201306" cy="482733"/>
+            <a:ext cx="2201307" cy="482730"/>
           </a:xfrm>
           <a:prstGeom prst="rect">
             <a:avLst/>
@@ -4384,7 +4411,7 @@
         <p:spPr>
           <a:xfrm>
             <a:off x="1034244" y="2289621"/>
-            <a:ext cx="1816083" cy="1678939"/>
+            <a:ext cx="1816084" cy="1678937"/>
           </a:xfrm>
           <a:prstGeom prst="rect">
             <a:avLst/>
@@ -4432,7 +4459,7 @@
         <p:spPr>
           <a:xfrm>
             <a:off x="2822825" y="4262001"/>
-            <a:ext cx="2221647" cy="1371150"/>
+            <a:ext cx="2221647" cy="1688648"/>
           </a:xfrm>
           <a:prstGeom prst="rect">
             <a:avLst/>
@@ -4464,7 +4491,7 @@
               </a:defRPr>
             </a:pPr>
             <a:r>
-              <a:t>场景以太阳作为点光源，使用</a:t>
+              <a:t>场景采用以太阳光为主的平行光源，使用</a:t>
             </a:r>
             <a:r>
               <a:rPr>
@@ -4490,7 +4517,7 @@
         <p:spPr>
           <a:xfrm>
             <a:off x="5184145" y="4837462"/>
-            <a:ext cx="1823711" cy="1678939"/>
+            <a:ext cx="1823712" cy="1678937"/>
           </a:xfrm>
           <a:prstGeom prst="rect">
             <a:avLst/>
@@ -4538,7 +4565,7 @@
         <p:spPr>
           <a:xfrm>
             <a:off x="9167059" y="2687571"/>
-            <a:ext cx="1859883" cy="726439"/>
+            <a:ext cx="1859884" cy="726437"/>
           </a:xfrm>
           <a:prstGeom prst="rect">
             <a:avLst/>
@@ -4585,10 +4612,10 @@
         </p:nvGrpSpPr>
         <p:grpSpPr>
           <a:xfrm>
-            <a:off x="7288661" y="2719761"/>
-            <a:ext cx="1353202" cy="770192"/>
+            <a:off x="7288660" y="2719759"/>
+            <a:ext cx="1353204" cy="770194"/>
             <a:chOff x="-1" y="-1"/>
-            <a:chExt cx="1353201" cy="770191"/>
+            <a:chExt cx="1353203" cy="770193"/>
           </a:xfrm>
         </p:grpSpPr>
         <p:sp>
@@ -4600,7 +4627,7 @@
           <p:spPr>
             <a:xfrm>
               <a:off x="-2" y="-2"/>
-              <a:ext cx="1353202" cy="770192"/>
+              <a:ext cx="1353204" cy="770194"/>
             </a:xfrm>
             <a:prstGeom prst="rect">
               <a:avLst/>
@@ -4642,8 +4669,8 @@
           </p:nvSpPr>
           <p:spPr>
             <a:xfrm>
-              <a:off x="-2" y="52669"/>
-              <a:ext cx="1353202" cy="664848"/>
+              <a:off x="-2" y="52670"/>
+              <a:ext cx="1353204" cy="664847"/>
             </a:xfrm>
             <a:prstGeom prst="rect">
               <a:avLst/>
@@ -4695,7 +4722,7 @@
         <p:spPr>
           <a:xfrm>
             <a:off x="6729548" y="856170"/>
-            <a:ext cx="1181344" cy="1845316"/>
+            <a:ext cx="1181345" cy="1845317"/>
           </a:xfrm>
           <a:prstGeom prst="line">
             <a:avLst/>
@@ -4725,7 +4752,7 @@
         <p:spPr>
           <a:xfrm>
             <a:off x="7215512" y="3670420"/>
-            <a:ext cx="1621341" cy="726439"/>
+            <a:ext cx="1621342" cy="726437"/>
           </a:xfrm>
           <a:prstGeom prst="rect">
             <a:avLst/>
@@ -4799,7 +4826,7 @@
         <p:spPr>
           <a:xfrm>
             <a:off x="5231129" y="3873158"/>
-            <a:ext cx="1729739" cy="662939"/>
+            <a:ext cx="1729737" cy="662937"/>
           </a:xfrm>
           <a:prstGeom prst="rect">
             <a:avLst/>
@@ -4847,7 +4874,7 @@
         <p:spPr>
           <a:xfrm>
             <a:off x="4997501" y="4507422"/>
-            <a:ext cx="2197000" cy="459739"/>
+            <a:ext cx="2197001" cy="459737"/>
           </a:xfrm>
           <a:prstGeom prst="rect">
             <a:avLst/>
@@ -4894,8 +4921,8 @@
         </p:nvSpPr>
         <p:spPr>
           <a:xfrm>
-            <a:off x="4997501" y="1303111"/>
-            <a:ext cx="2197000" cy="2225039"/>
+            <a:off x="4997501" y="1303110"/>
+            <a:ext cx="2197001" cy="2225037"/>
           </a:xfrm>
           <a:prstGeom prst="rect">
             <a:avLst/>
@@ -4979,7 +5006,7 @@
         <p:spPr>
           <a:xfrm>
             <a:off x="926095" y="2095868"/>
-            <a:ext cx="1545340" cy="2721872"/>
+            <a:ext cx="1545340" cy="2721873"/>
           </a:xfrm>
           <a:prstGeom prst="rect">
             <a:avLst/>
@@ -4998,7 +5025,7 @@
         <p:spPr>
           <a:xfrm>
             <a:off x="666735" y="291486"/>
-            <a:ext cx="2162190" cy="849706"/>
+            <a:ext cx="2162190" cy="849703"/>
           </a:xfrm>
           <a:prstGeom prst="rect">
             <a:avLst/>
@@ -5048,8 +5075,8 @@
         </p:nvSpPr>
         <p:spPr>
           <a:xfrm>
-            <a:off x="5999241" y="770951"/>
-            <a:ext cx="5325984" cy="370839"/>
+            <a:off x="5999241" y="770950"/>
+            <a:ext cx="5325984" cy="370837"/>
           </a:xfrm>
           <a:prstGeom prst="rect">
             <a:avLst/>
@@ -5076,10 +5103,6 @@
                 <a:solidFill>
                   <a:srgbClr val="384E5E"/>
                 </a:solidFill>
-                <a:latin typeface="+mn-lt"/>
-                <a:ea typeface="+mn-ea"/>
-                <a:cs typeface="+mn-cs"/>
-                <a:sym typeface="Helvetica"/>
               </a:defRPr>
             </a:lvl1pPr>
           </a:lstStyle>
@@ -5100,7 +5123,7 @@
         <p:spPr>
           <a:xfrm>
             <a:off x="5999238" y="2006131"/>
-            <a:ext cx="5325984" cy="370839"/>
+            <a:ext cx="5325984" cy="370837"/>
           </a:xfrm>
           <a:prstGeom prst="rect">
             <a:avLst/>
@@ -5151,7 +5174,7 @@
         <p:spPr>
           <a:xfrm>
             <a:off x="5999238" y="3039828"/>
-            <a:ext cx="5325984" cy="650239"/>
+            <a:ext cx="5325984" cy="650237"/>
           </a:xfrm>
           <a:prstGeom prst="rect">
             <a:avLst/>
@@ -5202,7 +5225,7 @@
         <p:spPr>
           <a:xfrm>
             <a:off x="3881778" y="615326"/>
-            <a:ext cx="1716417" cy="421390"/>
+            <a:ext cx="1716417" cy="421388"/>
           </a:xfrm>
           <a:prstGeom prst="rect">
             <a:avLst/>
@@ -5252,8 +5275,8 @@
         </p:nvSpPr>
         <p:spPr>
           <a:xfrm>
-            <a:off x="3817030" y="1840284"/>
-            <a:ext cx="2248862" cy="421391"/>
+            <a:off x="3817030" y="1840283"/>
+            <a:ext cx="2248863" cy="421389"/>
           </a:xfrm>
           <a:prstGeom prst="rect">
             <a:avLst/>
@@ -5304,7 +5327,7 @@
         <p:spPr>
           <a:xfrm>
             <a:off x="4074971" y="3016174"/>
-            <a:ext cx="1715886" cy="698300"/>
+            <a:ext cx="1715887" cy="698298"/>
           </a:xfrm>
           <a:prstGeom prst="rect">
             <a:avLst/>
@@ -5354,10 +5377,10 @@
         </p:nvGrpSpPr>
         <p:grpSpPr>
           <a:xfrm>
-            <a:off x="3348260" y="652101"/>
-            <a:ext cx="658767" cy="658766"/>
-            <a:chOff x="0" y="0"/>
-            <a:chExt cx="658765" cy="658765"/>
+            <a:off x="3348258" y="652100"/>
+            <a:ext cx="658769" cy="658767"/>
+            <a:chOff x="-1" y="0"/>
+            <a:chExt cx="658768" cy="658765"/>
           </a:xfrm>
         </p:grpSpPr>
         <p:sp>
@@ -5368,8 +5391,8 @@
           </p:nvSpPr>
           <p:spPr>
             <a:xfrm>
-              <a:off x="-1" y="-1"/>
-              <a:ext cx="658766" cy="658766"/>
+              <a:off x="-2" y="-1"/>
+              <a:ext cx="658770" cy="658767"/>
             </a:xfrm>
             <a:prstGeom prst="ellipse">
               <a:avLst/>
@@ -5394,6 +5417,10 @@
                   <a:solidFill>
                     <a:srgbClr val="ECC345"/>
                   </a:solidFill>
+                  <a:latin typeface="+mj-lt"/>
+                  <a:ea typeface="+mj-ea"/>
+                  <a:cs typeface="+mj-cs"/>
+                  <a:sym typeface="Calibri"/>
                 </a:defRPr>
               </a:pPr>
             </a:p>
@@ -5408,7 +5435,7 @@
           <p:spPr>
             <a:xfrm>
               <a:off x="48768" y="61793"/>
-              <a:ext cx="476804" cy="586739"/>
+              <a:ext cx="476802" cy="586737"/>
             </a:xfrm>
             <a:prstGeom prst="rect">
               <a:avLst/>
@@ -5459,10 +5486,10 @@
         </p:nvGrpSpPr>
         <p:grpSpPr>
           <a:xfrm>
-            <a:off x="3397028" y="1846027"/>
-            <a:ext cx="658767" cy="658766"/>
-            <a:chOff x="0" y="0"/>
-            <a:chExt cx="658765" cy="658765"/>
+            <a:off x="3397026" y="1846026"/>
+            <a:ext cx="658769" cy="658767"/>
+            <a:chOff x="-1" y="0"/>
+            <a:chExt cx="658768" cy="658765"/>
           </a:xfrm>
         </p:grpSpPr>
         <p:sp>
@@ -5473,8 +5500,8 @@
           </p:nvSpPr>
           <p:spPr>
             <a:xfrm>
-              <a:off x="-1" y="-1"/>
-              <a:ext cx="658766" cy="658766"/>
+              <a:off x="-2" y="-1"/>
+              <a:ext cx="658770" cy="658767"/>
             </a:xfrm>
             <a:prstGeom prst="ellipse">
               <a:avLst/>
@@ -5499,6 +5526,10 @@
                   <a:solidFill>
                     <a:srgbClr val="ECC345"/>
                   </a:solidFill>
+                  <a:latin typeface="+mj-lt"/>
+                  <a:ea typeface="+mj-ea"/>
+                  <a:cs typeface="+mj-cs"/>
+                  <a:sym typeface="Calibri"/>
                 </a:defRPr>
               </a:pPr>
             </a:p>
@@ -5513,7 +5544,7 @@
           <p:spPr>
             <a:xfrm>
               <a:off x="24383" y="61793"/>
-              <a:ext cx="526017" cy="586739"/>
+              <a:ext cx="526015" cy="586737"/>
             </a:xfrm>
             <a:prstGeom prst="rect">
               <a:avLst/>
@@ -5564,10 +5595,10 @@
         </p:nvGrpSpPr>
         <p:grpSpPr>
           <a:xfrm>
-            <a:off x="3421412" y="2950579"/>
-            <a:ext cx="658765" cy="675986"/>
+            <a:off x="3421411" y="2950578"/>
+            <a:ext cx="658767" cy="675984"/>
             <a:chOff x="0" y="0"/>
-            <a:chExt cx="658764" cy="675984"/>
+            <a:chExt cx="658765" cy="675983"/>
           </a:xfrm>
         </p:grpSpPr>
         <p:sp>
@@ -5579,7 +5610,7 @@
           <p:spPr>
             <a:xfrm>
               <a:off x="-1" y="-1"/>
-              <a:ext cx="658765" cy="658765"/>
+              <a:ext cx="658766" cy="658766"/>
             </a:xfrm>
             <a:prstGeom prst="ellipse">
               <a:avLst/>
@@ -5604,6 +5635,10 @@
                   <a:solidFill>
                     <a:srgbClr val="ECC345"/>
                   </a:solidFill>
+                  <a:latin typeface="+mj-lt"/>
+                  <a:ea typeface="+mj-ea"/>
+                  <a:cs typeface="+mj-cs"/>
+                  <a:sym typeface="Calibri"/>
                 </a:defRPr>
               </a:pPr>
             </a:p>
@@ -5618,7 +5653,7 @@
           <p:spPr>
             <a:xfrm>
               <a:off x="24384" y="89246"/>
-              <a:ext cx="537526" cy="586739"/>
+              <a:ext cx="537524" cy="586737"/>
             </a:xfrm>
             <a:prstGeom prst="rect">
               <a:avLst/>
@@ -5669,10 +5704,10 @@
         </p:nvGrpSpPr>
         <p:grpSpPr>
           <a:xfrm>
-            <a:off x="3404622" y="4141357"/>
-            <a:ext cx="658767" cy="658767"/>
-            <a:chOff x="0" y="0"/>
-            <a:chExt cx="658765" cy="658765"/>
+            <a:off x="3404621" y="4141355"/>
+            <a:ext cx="658769" cy="658769"/>
+            <a:chOff x="-1" y="-1"/>
+            <a:chExt cx="658768" cy="658768"/>
           </a:xfrm>
         </p:grpSpPr>
         <p:sp>
@@ -5683,8 +5718,8 @@
           </p:nvSpPr>
           <p:spPr>
             <a:xfrm>
-              <a:off x="-1" y="-1"/>
-              <a:ext cx="658766" cy="658766"/>
+              <a:off x="-2" y="-2"/>
+              <a:ext cx="658770" cy="658770"/>
             </a:xfrm>
             <a:prstGeom prst="ellipse">
               <a:avLst/>
@@ -5709,6 +5744,10 @@
                   <a:solidFill>
                     <a:srgbClr val="ECC345"/>
                   </a:solidFill>
+                  <a:latin typeface="+mj-lt"/>
+                  <a:ea typeface="+mj-ea"/>
+                  <a:cs typeface="+mj-cs"/>
+                  <a:sym typeface="Calibri"/>
                 </a:defRPr>
               </a:pPr>
             </a:p>
@@ -5723,7 +5762,7 @@
           <p:spPr>
             <a:xfrm>
               <a:off x="48767" y="61793"/>
-              <a:ext cx="525025" cy="586739"/>
+              <a:ext cx="525023" cy="586737"/>
             </a:xfrm>
             <a:prstGeom prst="rect">
               <a:avLst/>
@@ -5774,10 +5813,10 @@
         </p:nvGrpSpPr>
         <p:grpSpPr>
           <a:xfrm>
-            <a:off x="3397028" y="5316872"/>
-            <a:ext cx="658767" cy="658767"/>
-            <a:chOff x="0" y="0"/>
-            <a:chExt cx="658765" cy="658765"/>
+            <a:off x="3397026" y="5316870"/>
+            <a:ext cx="658769" cy="658769"/>
+            <a:chOff x="-1" y="-1"/>
+            <a:chExt cx="658768" cy="658768"/>
           </a:xfrm>
         </p:grpSpPr>
         <p:sp>
@@ -5788,8 +5827,8 @@
           </p:nvSpPr>
           <p:spPr>
             <a:xfrm>
-              <a:off x="-1" y="-1"/>
-              <a:ext cx="658766" cy="658766"/>
+              <a:off x="-2" y="-2"/>
+              <a:ext cx="658770" cy="658770"/>
             </a:xfrm>
             <a:prstGeom prst="ellipse">
               <a:avLst/>
@@ -5814,6 +5853,10 @@
                   <a:solidFill>
                     <a:srgbClr val="ECC345"/>
                   </a:solidFill>
+                  <a:latin typeface="+mj-lt"/>
+                  <a:ea typeface="+mj-ea"/>
+                  <a:cs typeface="+mj-cs"/>
+                  <a:sym typeface="Calibri"/>
                 </a:defRPr>
               </a:pPr>
             </a:p>
@@ -5828,7 +5871,7 @@
           <p:spPr>
             <a:xfrm>
               <a:off x="24383" y="61793"/>
-              <a:ext cx="540106" cy="586739"/>
+              <a:ext cx="540104" cy="586737"/>
             </a:xfrm>
             <a:prstGeom prst="rect">
               <a:avLst/>
@@ -5880,7 +5923,7 @@
         <p:spPr>
           <a:xfrm>
             <a:off x="4138362" y="5329423"/>
-            <a:ext cx="1716417" cy="698300"/>
+            <a:ext cx="1716417" cy="698298"/>
           </a:xfrm>
           <a:prstGeom prst="rect">
             <a:avLst/>
@@ -5931,7 +5974,7 @@
         <p:spPr>
           <a:xfrm>
             <a:off x="5999238" y="5329423"/>
-            <a:ext cx="5325984" cy="370839"/>
+            <a:ext cx="5325984" cy="370837"/>
           </a:xfrm>
           <a:prstGeom prst="rect">
             <a:avLst/>
@@ -5982,7 +6025,7 @@
         <p:spPr>
           <a:xfrm>
             <a:off x="5999238" y="4178348"/>
-            <a:ext cx="5325984" cy="370839"/>
+            <a:ext cx="5325984" cy="370837"/>
           </a:xfrm>
           <a:prstGeom prst="rect">
             <a:avLst/>
@@ -6033,7 +6076,7 @@
         <p:spPr>
           <a:xfrm>
             <a:off x="4138362" y="4153906"/>
-            <a:ext cx="1716417" cy="698300"/>
+            <a:ext cx="1716417" cy="698298"/>
           </a:xfrm>
           <a:prstGeom prst="rect">
             <a:avLst/>
@@ -6315,10 +6358,10 @@
             </a:solidFill>
             <a:effectLst/>
             <a:uFillTx/>
-            <a:latin typeface="+mj-lt"/>
-            <a:ea typeface="+mj-ea"/>
-            <a:cs typeface="+mj-cs"/>
-            <a:sym typeface="Calibri"/>
+            <a:latin typeface="+mn-lt"/>
+            <a:ea typeface="+mn-ea"/>
+            <a:cs typeface="+mn-cs"/>
+            <a:sym typeface="Helvetica"/>
           </a:defRPr>
         </a:defPPr>
         <a:lvl1pPr marL="0" marR="0" indent="0" algn="l" defTabSz="914400" rtl="0" fontAlgn="auto" latinLnBrk="1" hangingPunct="0">
@@ -6886,10 +6929,10 @@
             </a:solidFill>
             <a:effectLst/>
             <a:uFillTx/>
-            <a:latin typeface="+mj-lt"/>
-            <a:ea typeface="+mj-ea"/>
-            <a:cs typeface="+mj-cs"/>
-            <a:sym typeface="Calibri"/>
+            <a:latin typeface="+mn-lt"/>
+            <a:ea typeface="+mn-ea"/>
+            <a:cs typeface="+mn-cs"/>
+            <a:sym typeface="Helvetica"/>
           </a:defRPr>
         </a:defPPr>
         <a:lvl1pPr marL="0" marR="0" indent="0" algn="l" defTabSz="914400" rtl="0" fontAlgn="auto" latinLnBrk="1" hangingPunct="0">
@@ -7369,10 +7412,10 @@
             </a:solidFill>
             <a:effectLst/>
             <a:uFillTx/>
-            <a:latin typeface="+mj-lt"/>
-            <a:ea typeface="+mj-ea"/>
-            <a:cs typeface="+mj-cs"/>
-            <a:sym typeface="Calibri"/>
+            <a:latin typeface="+mn-lt"/>
+            <a:ea typeface="+mn-ea"/>
+            <a:cs typeface="+mn-cs"/>
+            <a:sym typeface="Helvetica"/>
           </a:defRPr>
         </a:defPPr>
         <a:lvl1pPr marL="0" marR="0" indent="0" algn="l" defTabSz="914400" rtl="0" fontAlgn="auto" latinLnBrk="1" hangingPunct="0">
@@ -7940,10 +7983,10 @@
             </a:solidFill>
             <a:effectLst/>
             <a:uFillTx/>
-            <a:latin typeface="+mj-lt"/>
-            <a:ea typeface="+mj-ea"/>
-            <a:cs typeface="+mj-cs"/>
-            <a:sym typeface="Calibri"/>
+            <a:latin typeface="+mn-lt"/>
+            <a:ea typeface="+mn-ea"/>
+            <a:cs typeface="+mn-cs"/>
+            <a:sym typeface="Helvetica"/>
           </a:defRPr>
         </a:defPPr>
         <a:lvl1pPr marL="0" marR="0" indent="0" algn="l" defTabSz="914400" rtl="0" fontAlgn="auto" latinLnBrk="1" hangingPunct="0">

--- a/计图期末项目介绍.pptx
+++ b/计图期末项目介绍.pptx
@@ -4491,7 +4491,7 @@
               </a:defRPr>
             </a:pPr>
             <a:r>
-              <a:t>场景采用以太阳光为主的平行光源，使用</a:t>
+              <a:t>场景采用以太阳光为主的平行光，使用</a:t>
             </a:r>
             <a:r>
               <a:rPr>
